--- a/data/Jogo_da_Velha_IA_Lucas.pptx
+++ b/data/Jogo_da_Velha_IA_Lucas.pptx
@@ -8,10 +8,17 @@
     <p:sldId id="256" r:id="rId2"/>
     <p:sldId id="257" r:id="rId3"/>
     <p:sldId id="258" r:id="rId4"/>
-    <p:sldId id="259" r:id="rId5"/>
-    <p:sldId id="260" r:id="rId6"/>
-    <p:sldId id="261" r:id="rId7"/>
-    <p:sldId id="262" r:id="rId8"/>
+    <p:sldId id="265" r:id="rId5"/>
+    <p:sldId id="259" r:id="rId6"/>
+    <p:sldId id="263" r:id="rId7"/>
+    <p:sldId id="264" r:id="rId8"/>
+    <p:sldId id="260" r:id="rId9"/>
+    <p:sldId id="266" r:id="rId10"/>
+    <p:sldId id="267" r:id="rId11"/>
+    <p:sldId id="268" r:id="rId12"/>
+    <p:sldId id="261" r:id="rId13"/>
+    <p:sldId id="269" r:id="rId14"/>
+    <p:sldId id="262" r:id="rId15"/>
   </p:sldIdLst>
   <p:sldSz cx="9144000" cy="6858000" type="screen4x3"/>
   <p:notesSz cx="6858000" cy="9144000"/>
@@ -6198,6 +6205,1486 @@
 </p:sld>
 </file>
 
+<file path=ppt/slides/slide10.xml><?xml version="1.0" encoding="utf-8"?>
+<p:sld xmlns:a="http://schemas.openxmlformats.org/drawingml/2006/main" xmlns:r="http://schemas.openxmlformats.org/officeDocument/2006/relationships" xmlns:p="http://schemas.openxmlformats.org/presentationml/2006/main">
+  <p:cSld>
+    <p:spTree>
+      <p:nvGrpSpPr>
+        <p:cNvPr id="1" name=""/>
+        <p:cNvGrpSpPr/>
+        <p:nvPr/>
+      </p:nvGrpSpPr>
+      <p:grpSpPr>
+        <a:xfrm>
+          <a:off x="0" y="0"/>
+          <a:ext cx="0" cy="0"/>
+          <a:chOff x="0" y="0"/>
+          <a:chExt cx="0" cy="0"/>
+        </a:xfrm>
+      </p:grpSpPr>
+      <p:sp>
+        <p:nvSpPr>
+          <p:cNvPr id="2" name="Title 1"/>
+          <p:cNvSpPr>
+            <a:spLocks noGrp="1"/>
+          </p:cNvSpPr>
+          <p:nvPr>
+            <p:ph type="title"/>
+          </p:nvPr>
+        </p:nvSpPr>
+        <p:spPr>
+          <a:xfrm>
+            <a:off x="2708694" y="189782"/>
+            <a:ext cx="3510951" cy="702894"/>
+          </a:xfrm>
+        </p:spPr>
+        <p:txBody>
+          <a:bodyPr>
+            <a:normAutofit fontScale="90000"/>
+          </a:bodyPr>
+          <a:lstStyle/>
+          <a:p>
+            <a:pPr algn="ctr"/>
+            <a:r>
+              <a:rPr lang="pt-BR" b="1" dirty="0"/>
+              <a:t>Verificação de Vitória</a:t>
+            </a:r>
+            <a:endParaRPr b="1" dirty="0"/>
+          </a:p>
+        </p:txBody>
+      </p:sp>
+      <p:sp>
+        <p:nvSpPr>
+          <p:cNvPr id="3" name="Content Placeholder 2"/>
+          <p:cNvSpPr>
+            <a:spLocks noGrp="1"/>
+          </p:cNvSpPr>
+          <p:nvPr>
+            <p:ph idx="1"/>
+          </p:nvPr>
+        </p:nvSpPr>
+        <p:spPr>
+          <a:xfrm>
+            <a:off x="668546" y="1310895"/>
+            <a:ext cx="5723627" cy="1069996"/>
+          </a:xfrm>
+        </p:spPr>
+        <p:txBody>
+          <a:bodyPr>
+            <a:noAutofit/>
+          </a:bodyPr>
+          <a:lstStyle/>
+          <a:p>
+            <a:r>
+              <a:rPr lang="pt-BR" dirty="0"/>
+              <a:t>Após cada jogada, o código verifica se há um vencedor ou empate usando o método </a:t>
+            </a:r>
+            <a:r>
+              <a:rPr lang="pt-BR" b="1" dirty="0" err="1"/>
+              <a:t>current_winner</a:t>
+            </a:r>
+            <a:r>
+              <a:rPr lang="pt-BR" b="1" dirty="0"/>
+              <a:t>. </a:t>
+            </a:r>
+            <a:r>
+              <a:rPr lang="pt-BR" dirty="0"/>
+              <a:t>Se alguém vencer ou houver empate, os dados do jogo são salvos, e o jogo é reiniciado.</a:t>
+            </a:r>
+            <a:endParaRPr dirty="0"/>
+          </a:p>
+        </p:txBody>
+      </p:sp>
+      <p:pic>
+        <p:nvPicPr>
+          <p:cNvPr id="5" name="Imagem 4">
+            <a:extLst>
+              <a:ext uri="{FF2B5EF4-FFF2-40B4-BE49-F238E27FC236}">
+                <a16:creationId xmlns:a16="http://schemas.microsoft.com/office/drawing/2014/main" id="{EE187D14-9886-69FE-46B9-D1F1A57F783A}"/>
+              </a:ext>
+            </a:extLst>
+          </p:cNvPr>
+          <p:cNvPicPr>
+            <a:picLocks noChangeAspect="1"/>
+          </p:cNvPicPr>
+          <p:nvPr/>
+        </p:nvPicPr>
+        <p:blipFill>
+          <a:blip r:embed="rId2"/>
+          <a:stretch>
+            <a:fillRect/>
+          </a:stretch>
+        </p:blipFill>
+        <p:spPr>
+          <a:xfrm>
+            <a:off x="1225140" y="3204431"/>
+            <a:ext cx="6296904" cy="1467055"/>
+          </a:xfrm>
+          <a:prstGeom prst="rect">
+            <a:avLst/>
+          </a:prstGeom>
+          <a:ln>
+            <a:noFill/>
+          </a:ln>
+          <a:effectLst>
+            <a:outerShdw blurRad="190500" algn="tl" rotWithShape="0">
+              <a:srgbClr val="000000">
+                <a:alpha val="70000"/>
+              </a:srgbClr>
+            </a:outerShdw>
+          </a:effectLst>
+        </p:spPr>
+      </p:pic>
+    </p:spTree>
+    <p:extLst>
+      <p:ext uri="{BB962C8B-B14F-4D97-AF65-F5344CB8AC3E}">
+        <p14:creationId xmlns:p14="http://schemas.microsoft.com/office/powerpoint/2010/main" val="669365503"/>
+      </p:ext>
+    </p:extLst>
+  </p:cSld>
+  <p:clrMapOvr>
+    <a:masterClrMapping/>
+  </p:clrMapOvr>
+</p:sld>
+</file>
+
+<file path=ppt/slides/slide11.xml><?xml version="1.0" encoding="utf-8"?>
+<p:sld xmlns:a="http://schemas.openxmlformats.org/drawingml/2006/main" xmlns:r="http://schemas.openxmlformats.org/officeDocument/2006/relationships" xmlns:p="http://schemas.openxmlformats.org/presentationml/2006/main">
+  <p:cSld>
+    <p:bg>
+      <p:bgPr>
+        <a:blipFill>
+          <a:blip r:embed="rId2"/>
+          <a:stretch/>
+        </a:blipFill>
+        <a:effectLst/>
+      </p:bgPr>
+    </p:bg>
+    <p:spTree>
+      <p:nvGrpSpPr>
+        <p:cNvPr id="1" name=""/>
+        <p:cNvGrpSpPr/>
+        <p:nvPr/>
+      </p:nvGrpSpPr>
+      <p:grpSpPr>
+        <a:xfrm>
+          <a:off x="0" y="0"/>
+          <a:ext cx="0" cy="0"/>
+          <a:chOff x="0" y="0"/>
+          <a:chExt cx="0" cy="0"/>
+        </a:xfrm>
+      </p:grpSpPr>
+      <p:sp>
+        <p:nvSpPr>
+          <p:cNvPr id="2" name="Title 1"/>
+          <p:cNvSpPr>
+            <a:spLocks noGrp="1"/>
+          </p:cNvSpPr>
+          <p:nvPr>
+            <p:ph type="title"/>
+          </p:nvPr>
+        </p:nvSpPr>
+        <p:spPr>
+          <a:xfrm>
+            <a:off x="514351" y="609600"/>
+            <a:ext cx="4711700" cy="1456267"/>
+          </a:xfrm>
+        </p:spPr>
+        <p:txBody>
+          <a:bodyPr>
+            <a:normAutofit/>
+          </a:bodyPr>
+          <a:lstStyle/>
+          <a:p>
+            <a:pPr algn="ctr"/>
+            <a:r>
+              <a:rPr lang="pt-BR" b="1" dirty="0"/>
+              <a:t>TREINAR E </a:t>
+            </a:r>
+            <a:r>
+              <a:rPr b="1" dirty="0"/>
+              <a:t>Coleta</a:t>
+            </a:r>
+            <a:r>
+              <a:rPr lang="pt-BR" b="1" dirty="0"/>
+              <a:t>R</a:t>
+            </a:r>
+            <a:r>
+              <a:rPr b="1" dirty="0"/>
+              <a:t> Dados</a:t>
+            </a:r>
+            <a:r>
+              <a:rPr lang="pt-BR" b="1" dirty="0"/>
+              <a:t> </a:t>
+            </a:r>
+            <a:br>
+              <a:rPr lang="pt-BR" b="1" dirty="0"/>
+            </a:br>
+            <a:r>
+              <a:rPr lang="pt-BR" b="1" dirty="0"/>
+              <a:t>PARA IA</a:t>
+            </a:r>
+          </a:p>
+        </p:txBody>
+      </p:sp>
+      <p:sp>
+        <p:nvSpPr>
+          <p:cNvPr id="3" name="Content Placeholder 2"/>
+          <p:cNvSpPr>
+            <a:spLocks noGrp="1"/>
+          </p:cNvSpPr>
+          <p:nvPr>
+            <p:ph idx="1"/>
+          </p:nvPr>
+        </p:nvSpPr>
+        <p:spPr>
+          <a:xfrm>
+            <a:off x="514350" y="2142068"/>
+            <a:ext cx="6601745" cy="1782952"/>
+          </a:xfrm>
+        </p:spPr>
+        <p:txBody>
+          <a:bodyPr>
+            <a:normAutofit/>
+          </a:bodyPr>
+          <a:lstStyle/>
+          <a:p>
+            <a:r>
+              <a:rPr lang="pt-BR" dirty="0"/>
+              <a:t>Após 100 partidas, o modelo de IA é treinado com os dados coletados. Isso acontece no método </a:t>
+            </a:r>
+            <a:r>
+              <a:rPr lang="pt-BR" dirty="0" err="1"/>
+              <a:t>train_ai</a:t>
+            </a:r>
+            <a:r>
+              <a:rPr lang="pt-BR" dirty="0"/>
+              <a:t>, que coleta os dados armazenados em </a:t>
+            </a:r>
+            <a:r>
+              <a:rPr lang="pt-BR" b="1" dirty="0" err="1"/>
+              <a:t>self.game_data</a:t>
+            </a:r>
+            <a:r>
+              <a:rPr lang="pt-BR" b="1" dirty="0"/>
+              <a:t> </a:t>
+            </a:r>
+            <a:r>
+              <a:rPr lang="pt-BR" dirty="0"/>
+              <a:t>e ajusta os </a:t>
+            </a:r>
+            <a:r>
+              <a:rPr lang="pt-BR" dirty="0" err="1"/>
+              <a:t>hiperparâmetros</a:t>
+            </a:r>
+            <a:r>
+              <a:rPr lang="pt-BR" dirty="0"/>
+              <a:t> do modelo.</a:t>
+            </a:r>
+            <a:endParaRPr dirty="0"/>
+          </a:p>
+        </p:txBody>
+      </p:sp>
+      <p:pic>
+        <p:nvPicPr>
+          <p:cNvPr id="9" name="Imagem 8">
+            <a:extLst>
+              <a:ext uri="{FF2B5EF4-FFF2-40B4-BE49-F238E27FC236}">
+                <a16:creationId xmlns:a16="http://schemas.microsoft.com/office/drawing/2014/main" id="{ADDFCC66-E666-F241-F85D-B67FC9A1C165}"/>
+              </a:ext>
+            </a:extLst>
+          </p:cNvPr>
+          <p:cNvPicPr>
+            <a:picLocks noChangeAspect="1"/>
+          </p:cNvPicPr>
+          <p:nvPr/>
+        </p:nvPicPr>
+        <p:blipFill>
+          <a:blip r:embed="rId3"/>
+          <a:stretch>
+            <a:fillRect/>
+          </a:stretch>
+        </p:blipFill>
+        <p:spPr>
+          <a:xfrm>
+            <a:off x="1271127" y="4162489"/>
+            <a:ext cx="6601746" cy="1638529"/>
+          </a:xfrm>
+          <a:prstGeom prst="rect">
+            <a:avLst/>
+          </a:prstGeom>
+          <a:ln>
+            <a:noFill/>
+          </a:ln>
+          <a:effectLst>
+            <a:outerShdw blurRad="190500" algn="tl" rotWithShape="0">
+              <a:srgbClr val="000000">
+                <a:alpha val="70000"/>
+              </a:srgbClr>
+            </a:outerShdw>
+          </a:effectLst>
+        </p:spPr>
+      </p:pic>
+    </p:spTree>
+    <p:extLst>
+      <p:ext uri="{BB962C8B-B14F-4D97-AF65-F5344CB8AC3E}">
+        <p14:creationId xmlns:p14="http://schemas.microsoft.com/office/powerpoint/2010/main" val="2728809705"/>
+      </p:ext>
+    </p:extLst>
+  </p:cSld>
+  <p:clrMapOvr>
+    <a:masterClrMapping/>
+  </p:clrMapOvr>
+</p:sld>
+</file>
+
+<file path=ppt/slides/slide12.xml><?xml version="1.0" encoding="utf-8"?>
+<p:sld xmlns:a="http://schemas.openxmlformats.org/drawingml/2006/main" xmlns:r="http://schemas.openxmlformats.org/officeDocument/2006/relationships" xmlns:p="http://schemas.openxmlformats.org/presentationml/2006/main">
+  <p:cSld>
+    <p:spTree>
+      <p:nvGrpSpPr>
+        <p:cNvPr id="1" name=""/>
+        <p:cNvGrpSpPr/>
+        <p:nvPr/>
+      </p:nvGrpSpPr>
+      <p:grpSpPr>
+        <a:xfrm>
+          <a:off x="0" y="0"/>
+          <a:ext cx="0" cy="0"/>
+          <a:chOff x="0" y="0"/>
+          <a:chExt cx="0" cy="0"/>
+        </a:xfrm>
+      </p:grpSpPr>
+      <p:sp>
+        <p:nvSpPr>
+          <p:cNvPr id="2" name="Title 1"/>
+          <p:cNvSpPr>
+            <a:spLocks noGrp="1"/>
+          </p:cNvSpPr>
+          <p:nvPr>
+            <p:ph type="title"/>
+          </p:nvPr>
+        </p:nvSpPr>
+        <p:spPr>
+          <a:xfrm>
+            <a:off x="3148642" y="112143"/>
+            <a:ext cx="2447118" cy="711520"/>
+          </a:xfrm>
+        </p:spPr>
+        <p:txBody>
+          <a:bodyPr/>
+          <a:lstStyle/>
+          <a:p>
+            <a:pPr algn="ctr"/>
+            <a:r>
+              <a:rPr b="1" dirty="0" err="1"/>
+              <a:t>Resultados</a:t>
+            </a:r>
+            <a:endParaRPr b="1" dirty="0"/>
+          </a:p>
+        </p:txBody>
+      </p:sp>
+      <p:sp>
+        <p:nvSpPr>
+          <p:cNvPr id="3" name="Content Placeholder 2"/>
+          <p:cNvSpPr>
+            <a:spLocks noGrp="1"/>
+          </p:cNvSpPr>
+          <p:nvPr>
+            <p:ph idx="1"/>
+          </p:nvPr>
+        </p:nvSpPr>
+        <p:spPr>
+          <a:xfrm>
+            <a:off x="211347" y="1090536"/>
+            <a:ext cx="6922698" cy="886684"/>
+          </a:xfrm>
+        </p:spPr>
+        <p:txBody>
+          <a:bodyPr>
+            <a:normAutofit lnSpcReduction="10000"/>
+          </a:bodyPr>
+          <a:lstStyle/>
+          <a:p>
+            <a:pPr marL="0" indent="0">
+              <a:buNone/>
+            </a:pPr>
+            <a:r>
+              <a:rPr dirty="0" err="1"/>
+              <a:t>Os</a:t>
+            </a:r>
+            <a:r>
+              <a:rPr dirty="0"/>
+              <a:t> </a:t>
+            </a:r>
+            <a:r>
+              <a:rPr dirty="0" err="1"/>
+              <a:t>resultados</a:t>
+            </a:r>
+            <a:r>
+              <a:rPr dirty="0"/>
+              <a:t> das 100 </a:t>
+            </a:r>
+            <a:r>
+              <a:rPr dirty="0" err="1"/>
+              <a:t>partidas</a:t>
+            </a:r>
+            <a:r>
+              <a:rPr dirty="0"/>
+              <a:t> </a:t>
+            </a:r>
+            <a:r>
+              <a:rPr dirty="0" err="1"/>
+              <a:t>foram</a:t>
+            </a:r>
+            <a:r>
+              <a:rPr dirty="0"/>
+              <a:t> </a:t>
+            </a:r>
+            <a:r>
+              <a:rPr dirty="0" err="1"/>
+              <a:t>analisados</a:t>
+            </a:r>
+            <a:r>
+              <a:rPr dirty="0"/>
+              <a:t> para </a:t>
+            </a:r>
+            <a:r>
+              <a:rPr dirty="0" err="1"/>
+              <a:t>avaliar</a:t>
+            </a:r>
+            <a:r>
+              <a:rPr dirty="0"/>
+              <a:t> a </a:t>
+            </a:r>
+            <a:r>
+              <a:rPr dirty="0" err="1"/>
+              <a:t>acurácia</a:t>
+            </a:r>
+            <a:r>
+              <a:rPr dirty="0"/>
+              <a:t> do </a:t>
+            </a:r>
+            <a:r>
+              <a:rPr dirty="0" err="1"/>
+              <a:t>modelo</a:t>
+            </a:r>
+            <a:r>
+              <a:rPr dirty="0"/>
+              <a:t>. </a:t>
+            </a:r>
+            <a:r>
+              <a:rPr dirty="0" err="1"/>
+              <a:t>Gráficos</a:t>
+            </a:r>
+            <a:r>
+              <a:rPr dirty="0"/>
+              <a:t> de </a:t>
+            </a:r>
+            <a:r>
+              <a:rPr dirty="0" err="1"/>
+              <a:t>distribuição</a:t>
+            </a:r>
+            <a:r>
+              <a:rPr dirty="0"/>
+              <a:t> de </a:t>
+            </a:r>
+            <a:r>
+              <a:rPr dirty="0" err="1"/>
+              <a:t>vitórias</a:t>
+            </a:r>
+            <a:r>
+              <a:rPr dirty="0"/>
+              <a:t>, </a:t>
+            </a:r>
+            <a:r>
+              <a:rPr dirty="0" err="1"/>
+              <a:t>empates</a:t>
+            </a:r>
+            <a:r>
+              <a:rPr dirty="0"/>
+              <a:t> e </a:t>
+            </a:r>
+            <a:r>
+              <a:rPr dirty="0" err="1"/>
+              <a:t>derrotas</a:t>
+            </a:r>
+            <a:r>
+              <a:rPr dirty="0"/>
+              <a:t> </a:t>
+            </a:r>
+            <a:r>
+              <a:rPr dirty="0" err="1"/>
+              <a:t>foram</a:t>
+            </a:r>
+            <a:r>
+              <a:rPr dirty="0"/>
+              <a:t> </a:t>
+            </a:r>
+            <a:r>
+              <a:rPr dirty="0" err="1"/>
+              <a:t>gerados</a:t>
+            </a:r>
+            <a:r>
+              <a:rPr dirty="0"/>
+              <a:t>, </a:t>
+            </a:r>
+            <a:r>
+              <a:rPr dirty="0" err="1"/>
+              <a:t>mostrando</a:t>
+            </a:r>
+            <a:r>
+              <a:rPr dirty="0"/>
+              <a:t> a </a:t>
+            </a:r>
+            <a:r>
+              <a:rPr dirty="0" err="1"/>
+              <a:t>eficácia</a:t>
+            </a:r>
+            <a:r>
+              <a:rPr dirty="0"/>
+              <a:t> da IA </a:t>
+            </a:r>
+            <a:r>
+              <a:rPr dirty="0" err="1"/>
+              <a:t>nas</a:t>
+            </a:r>
+            <a:r>
+              <a:rPr dirty="0"/>
+              <a:t> </a:t>
+            </a:r>
+            <a:r>
+              <a:rPr dirty="0" err="1"/>
+              <a:t>decisões</a:t>
+            </a:r>
+            <a:r>
+              <a:rPr dirty="0"/>
+              <a:t> de </a:t>
+            </a:r>
+            <a:r>
+              <a:rPr dirty="0" err="1"/>
+              <a:t>jogo</a:t>
+            </a:r>
+            <a:r>
+              <a:rPr dirty="0"/>
+              <a:t>.</a:t>
+            </a:r>
+          </a:p>
+        </p:txBody>
+      </p:sp>
+      <p:pic>
+        <p:nvPicPr>
+          <p:cNvPr id="5" name="Imagem 4">
+            <a:extLst>
+              <a:ext uri="{FF2B5EF4-FFF2-40B4-BE49-F238E27FC236}">
+                <a16:creationId xmlns:a16="http://schemas.microsoft.com/office/drawing/2014/main" id="{81553C93-33CF-D751-2571-87923F3D40D2}"/>
+              </a:ext>
+            </a:extLst>
+          </p:cNvPr>
+          <p:cNvPicPr>
+            <a:picLocks noChangeAspect="1"/>
+          </p:cNvPicPr>
+          <p:nvPr/>
+        </p:nvPicPr>
+        <p:blipFill>
+          <a:blip r:embed="rId2"/>
+          <a:stretch>
+            <a:fillRect/>
+          </a:stretch>
+        </p:blipFill>
+        <p:spPr>
+          <a:xfrm>
+            <a:off x="69012" y="2144813"/>
+            <a:ext cx="4427416" cy="3915321"/>
+          </a:xfrm>
+          <a:prstGeom prst="rect">
+            <a:avLst/>
+          </a:prstGeom>
+        </p:spPr>
+      </p:pic>
+      <p:pic>
+        <p:nvPicPr>
+          <p:cNvPr id="7" name="Imagem 6">
+            <a:extLst>
+              <a:ext uri="{FF2B5EF4-FFF2-40B4-BE49-F238E27FC236}">
+                <a16:creationId xmlns:a16="http://schemas.microsoft.com/office/drawing/2014/main" id="{9330F0CB-175D-38ED-9CA1-69239E7D98DF}"/>
+              </a:ext>
+            </a:extLst>
+          </p:cNvPr>
+          <p:cNvPicPr>
+            <a:picLocks noChangeAspect="1"/>
+          </p:cNvPicPr>
+          <p:nvPr/>
+        </p:nvPicPr>
+        <p:blipFill>
+          <a:blip r:embed="rId3"/>
+          <a:stretch>
+            <a:fillRect/>
+          </a:stretch>
+        </p:blipFill>
+        <p:spPr>
+          <a:xfrm>
+            <a:off x="4572000" y="2144812"/>
+            <a:ext cx="4496427" cy="3915321"/>
+          </a:xfrm>
+          <a:prstGeom prst="rect">
+            <a:avLst/>
+          </a:prstGeom>
+        </p:spPr>
+      </p:pic>
+    </p:spTree>
+  </p:cSld>
+  <p:clrMapOvr>
+    <a:masterClrMapping/>
+  </p:clrMapOvr>
+</p:sld>
+</file>
+
+<file path=ppt/slides/slide13.xml><?xml version="1.0" encoding="utf-8"?>
+<p:sld xmlns:a="http://schemas.openxmlformats.org/drawingml/2006/main" xmlns:r="http://schemas.openxmlformats.org/officeDocument/2006/relationships" xmlns:p="http://schemas.openxmlformats.org/presentationml/2006/main">
+  <p:cSld>
+    <p:spTree>
+      <p:nvGrpSpPr>
+        <p:cNvPr id="1" name=""/>
+        <p:cNvGrpSpPr/>
+        <p:nvPr/>
+      </p:nvGrpSpPr>
+      <p:grpSpPr>
+        <a:xfrm>
+          <a:off x="0" y="0"/>
+          <a:ext cx="0" cy="0"/>
+          <a:chOff x="0" y="0"/>
+          <a:chExt cx="0" cy="0"/>
+        </a:xfrm>
+      </p:grpSpPr>
+      <p:sp>
+        <p:nvSpPr>
+          <p:cNvPr id="2" name="Title 1"/>
+          <p:cNvSpPr>
+            <a:spLocks noGrp="1"/>
+          </p:cNvSpPr>
+          <p:nvPr>
+            <p:ph type="title"/>
+          </p:nvPr>
+        </p:nvSpPr>
+        <p:spPr>
+          <a:xfrm>
+            <a:off x="3148642" y="112143"/>
+            <a:ext cx="2447118" cy="711520"/>
+          </a:xfrm>
+        </p:spPr>
+        <p:txBody>
+          <a:bodyPr>
+            <a:normAutofit fontScale="90000"/>
+          </a:bodyPr>
+          <a:lstStyle/>
+          <a:p>
+            <a:pPr algn="ctr"/>
+            <a:r>
+              <a:rPr b="1" dirty="0" err="1"/>
+              <a:t>Resultados</a:t>
+            </a:r>
+            <a:r>
+              <a:rPr lang="pt-BR" b="1" dirty="0"/>
+              <a:t> - GRÁFICOS</a:t>
+            </a:r>
+            <a:endParaRPr b="1" dirty="0"/>
+          </a:p>
+        </p:txBody>
+      </p:sp>
+      <p:pic>
+        <p:nvPicPr>
+          <p:cNvPr id="9" name="Imagem 8" descr="Gráfico, Gráfico de dispersão&#10;&#10;Descrição gerada automaticamente">
+            <a:extLst>
+              <a:ext uri="{FF2B5EF4-FFF2-40B4-BE49-F238E27FC236}">
+                <a16:creationId xmlns:a16="http://schemas.microsoft.com/office/drawing/2014/main" id="{6FD51A93-5C3C-740C-91AC-D7306D3DB706}"/>
+              </a:ext>
+            </a:extLst>
+          </p:cNvPr>
+          <p:cNvPicPr>
+            <a:picLocks noChangeAspect="1"/>
+          </p:cNvPicPr>
+          <p:nvPr/>
+        </p:nvPicPr>
+        <p:blipFill>
+          <a:blip r:embed="rId2"/>
+          <a:srcRect b="5776"/>
+          <a:stretch/>
+        </p:blipFill>
+        <p:spPr>
+          <a:xfrm>
+            <a:off x="1550597" y="905775"/>
+            <a:ext cx="5253486" cy="2251494"/>
+          </a:xfrm>
+          <a:prstGeom prst="rect">
+            <a:avLst/>
+          </a:prstGeom>
+        </p:spPr>
+      </p:pic>
+      <p:pic>
+        <p:nvPicPr>
+          <p:cNvPr id="13" name="Imagem 12" descr="Gráfico, Gráfico de barras, Gráfico de caixa estreita&#10;&#10;Descrição gerada automaticamente">
+            <a:extLst>
+              <a:ext uri="{FF2B5EF4-FFF2-40B4-BE49-F238E27FC236}">
+                <a16:creationId xmlns:a16="http://schemas.microsoft.com/office/drawing/2014/main" id="{7C6D0FBF-BEFF-5765-55D6-02F2B39B1947}"/>
+              </a:ext>
+            </a:extLst>
+          </p:cNvPr>
+          <p:cNvPicPr>
+            <a:picLocks noChangeAspect="1"/>
+          </p:cNvPicPr>
+          <p:nvPr/>
+        </p:nvPicPr>
+        <p:blipFill>
+          <a:blip r:embed="rId3"/>
+          <a:stretch>
+            <a:fillRect/>
+          </a:stretch>
+        </p:blipFill>
+        <p:spPr>
+          <a:xfrm>
+            <a:off x="799473" y="3429000"/>
+            <a:ext cx="6767421" cy="3127075"/>
+          </a:xfrm>
+          <a:prstGeom prst="rect">
+            <a:avLst/>
+          </a:prstGeom>
+        </p:spPr>
+      </p:pic>
+    </p:spTree>
+    <p:extLst>
+      <p:ext uri="{BB962C8B-B14F-4D97-AF65-F5344CB8AC3E}">
+        <p14:creationId xmlns:p14="http://schemas.microsoft.com/office/powerpoint/2010/main" val="3087493726"/>
+      </p:ext>
+    </p:extLst>
+  </p:cSld>
+  <p:clrMapOvr>
+    <a:masterClrMapping/>
+  </p:clrMapOvr>
+</p:sld>
+</file>
+
+<file path=ppt/slides/slide14.xml><?xml version="1.0" encoding="utf-8"?>
+<p:sld xmlns:a="http://schemas.openxmlformats.org/drawingml/2006/main" xmlns:r="http://schemas.openxmlformats.org/officeDocument/2006/relationships" xmlns:p="http://schemas.openxmlformats.org/presentationml/2006/main">
+  <p:cSld>
+    <p:bg>
+      <p:bgPr>
+        <a:blipFill>
+          <a:blip r:embed="rId2"/>
+          <a:stretch/>
+        </a:blipFill>
+        <a:effectLst/>
+      </p:bgPr>
+    </p:bg>
+    <p:spTree>
+      <p:nvGrpSpPr>
+        <p:cNvPr id="1" name=""/>
+        <p:cNvGrpSpPr/>
+        <p:nvPr/>
+      </p:nvGrpSpPr>
+      <p:grpSpPr>
+        <a:xfrm>
+          <a:off x="0" y="0"/>
+          <a:ext cx="0" cy="0"/>
+          <a:chOff x="0" y="0"/>
+          <a:chExt cx="0" cy="0"/>
+        </a:xfrm>
+      </p:grpSpPr>
+      <p:sp>
+        <p:nvSpPr>
+          <p:cNvPr id="2" name="Title 1"/>
+          <p:cNvSpPr>
+            <a:spLocks noGrp="1"/>
+          </p:cNvSpPr>
+          <p:nvPr>
+            <p:ph type="title"/>
+          </p:nvPr>
+        </p:nvSpPr>
+        <p:spPr>
+          <a:xfrm>
+            <a:off x="514350" y="1030289"/>
+            <a:ext cx="5111062" cy="1035578"/>
+          </a:xfrm>
+        </p:spPr>
+        <p:txBody>
+          <a:bodyPr>
+            <a:normAutofit/>
+          </a:bodyPr>
+          <a:lstStyle/>
+          <a:p>
+            <a:r>
+              <a:rPr b="1" dirty="0" err="1"/>
+              <a:t>Conclusão</a:t>
+            </a:r>
+            <a:endParaRPr lang="pt-BR" b="1"/>
+          </a:p>
+        </p:txBody>
+      </p:sp>
+      <p:sp>
+        <p:nvSpPr>
+          <p:cNvPr id="3" name="Content Placeholder 2"/>
+          <p:cNvSpPr>
+            <a:spLocks noGrp="1"/>
+          </p:cNvSpPr>
+          <p:nvPr>
+            <p:ph idx="1"/>
+          </p:nvPr>
+        </p:nvSpPr>
+        <p:spPr>
+          <a:xfrm>
+            <a:off x="514350" y="2142067"/>
+            <a:ext cx="5111062" cy="3649133"/>
+          </a:xfrm>
+        </p:spPr>
+        <p:txBody>
+          <a:bodyPr>
+            <a:normAutofit/>
+          </a:bodyPr>
+          <a:lstStyle/>
+          <a:p>
+            <a:r>
+              <a:rPr dirty="0"/>
+              <a:t>O </a:t>
+            </a:r>
+            <a:r>
+              <a:rPr dirty="0" err="1"/>
+              <a:t>uso</a:t>
+            </a:r>
+            <a:r>
+              <a:rPr dirty="0"/>
+              <a:t> de </a:t>
+            </a:r>
+            <a:r>
+              <a:rPr dirty="0" err="1"/>
+              <a:t>algoritmos</a:t>
+            </a:r>
+            <a:r>
+              <a:rPr dirty="0"/>
+              <a:t> de </a:t>
+            </a:r>
+            <a:r>
+              <a:rPr dirty="0" err="1"/>
+              <a:t>aprendizado</a:t>
+            </a:r>
+            <a:r>
+              <a:rPr dirty="0"/>
+              <a:t> de </a:t>
+            </a:r>
+            <a:r>
+              <a:rPr dirty="0" err="1"/>
+              <a:t>máquina</a:t>
+            </a:r>
+            <a:r>
+              <a:rPr dirty="0"/>
+              <a:t>, </a:t>
+            </a:r>
+            <a:r>
+              <a:rPr dirty="0" err="1"/>
+              <a:t>como</a:t>
+            </a:r>
+            <a:r>
+              <a:rPr dirty="0"/>
+              <a:t> </a:t>
+            </a:r>
+            <a:r>
+              <a:rPr dirty="0" err="1"/>
+              <a:t>árvores</a:t>
+            </a:r>
+            <a:r>
+              <a:rPr dirty="0"/>
+              <a:t> de </a:t>
+            </a:r>
+            <a:r>
+              <a:rPr dirty="0" err="1"/>
+              <a:t>decisão</a:t>
+            </a:r>
+            <a:r>
+              <a:rPr dirty="0"/>
+              <a:t>, </a:t>
+            </a:r>
+            <a:r>
+              <a:rPr dirty="0" err="1"/>
+              <a:t>mostrou</a:t>
+            </a:r>
+            <a:r>
+              <a:rPr dirty="0"/>
+              <a:t>-se </a:t>
+            </a:r>
+            <a:r>
+              <a:rPr dirty="0" err="1"/>
+              <a:t>eficaz</a:t>
+            </a:r>
+            <a:r>
+              <a:rPr dirty="0"/>
+              <a:t> para </a:t>
+            </a:r>
+            <a:r>
+              <a:rPr dirty="0" err="1"/>
+              <a:t>prever</a:t>
+            </a:r>
+            <a:r>
+              <a:rPr dirty="0"/>
+              <a:t> </a:t>
+            </a:r>
+            <a:r>
+              <a:rPr dirty="0" err="1"/>
+              <a:t>movimentos</a:t>
+            </a:r>
+            <a:r>
+              <a:rPr dirty="0"/>
+              <a:t> </a:t>
+            </a:r>
+            <a:r>
+              <a:rPr dirty="0" err="1"/>
+              <a:t>em</a:t>
+            </a:r>
+            <a:r>
+              <a:rPr dirty="0"/>
+              <a:t> um </a:t>
+            </a:r>
+            <a:r>
+              <a:rPr dirty="0" err="1"/>
+              <a:t>jogo</a:t>
+            </a:r>
+            <a:r>
+              <a:rPr dirty="0"/>
+              <a:t> simples </a:t>
+            </a:r>
+            <a:r>
+              <a:rPr dirty="0" err="1"/>
+              <a:t>como</a:t>
+            </a:r>
+            <a:r>
+              <a:rPr dirty="0"/>
+              <a:t> o </a:t>
+            </a:r>
+            <a:r>
+              <a:rPr dirty="0" err="1"/>
+              <a:t>jogo</a:t>
+            </a:r>
+            <a:r>
+              <a:rPr dirty="0"/>
+              <a:t> da </a:t>
+            </a:r>
+            <a:r>
+              <a:rPr dirty="0" err="1"/>
+              <a:t>velha</a:t>
+            </a:r>
+            <a:r>
+              <a:rPr dirty="0"/>
+              <a:t>. A IA </a:t>
+            </a:r>
+            <a:r>
+              <a:rPr dirty="0" err="1"/>
+              <a:t>foi</a:t>
+            </a:r>
+            <a:r>
+              <a:rPr dirty="0"/>
+              <a:t> </a:t>
+            </a:r>
+            <a:r>
+              <a:rPr dirty="0" err="1"/>
+              <a:t>capaz</a:t>
+            </a:r>
+            <a:r>
+              <a:rPr dirty="0"/>
+              <a:t> de </a:t>
+            </a:r>
+            <a:r>
+              <a:rPr dirty="0" err="1"/>
+              <a:t>melhorar</a:t>
+            </a:r>
+            <a:r>
+              <a:rPr dirty="0"/>
+              <a:t> </a:t>
+            </a:r>
+            <a:r>
+              <a:rPr dirty="0" err="1"/>
+              <a:t>suas</a:t>
+            </a:r>
+            <a:r>
+              <a:rPr dirty="0"/>
+              <a:t> </a:t>
+            </a:r>
+            <a:r>
+              <a:rPr dirty="0" err="1"/>
+              <a:t>estratégias</a:t>
+            </a:r>
+            <a:r>
+              <a:rPr dirty="0"/>
+              <a:t> </a:t>
+            </a:r>
+            <a:r>
+              <a:rPr dirty="0" err="1"/>
+              <a:t>ao</a:t>
+            </a:r>
+            <a:r>
+              <a:rPr dirty="0"/>
+              <a:t> </a:t>
+            </a:r>
+            <a:r>
+              <a:rPr dirty="0" err="1"/>
+              <a:t>longo</a:t>
+            </a:r>
+            <a:r>
+              <a:rPr dirty="0"/>
+              <a:t> das </a:t>
+            </a:r>
+            <a:r>
+              <a:rPr dirty="0" err="1"/>
+              <a:t>partidas</a:t>
+            </a:r>
+            <a:r>
+              <a:rPr dirty="0"/>
+              <a:t>, e </a:t>
+            </a:r>
+            <a:r>
+              <a:rPr dirty="0" err="1"/>
+              <a:t>os</a:t>
+            </a:r>
+            <a:r>
+              <a:rPr dirty="0"/>
+              <a:t> </a:t>
+            </a:r>
+            <a:r>
+              <a:rPr dirty="0" err="1"/>
+              <a:t>ajustes</a:t>
+            </a:r>
+            <a:r>
+              <a:rPr dirty="0"/>
+              <a:t> </a:t>
+            </a:r>
+            <a:r>
+              <a:rPr dirty="0" err="1"/>
+              <a:t>nos</a:t>
+            </a:r>
+            <a:r>
+              <a:rPr dirty="0"/>
+              <a:t> </a:t>
+            </a:r>
+            <a:r>
+              <a:rPr dirty="0" err="1"/>
+              <a:t>hiperparâmetros</a:t>
+            </a:r>
+            <a:r>
+              <a:rPr dirty="0"/>
+              <a:t> </a:t>
+            </a:r>
+            <a:r>
+              <a:rPr dirty="0" err="1"/>
+              <a:t>foram</a:t>
+            </a:r>
+            <a:r>
+              <a:rPr dirty="0"/>
+              <a:t> </a:t>
+            </a:r>
+            <a:r>
+              <a:rPr dirty="0" err="1"/>
+              <a:t>fundamentais</a:t>
+            </a:r>
+            <a:r>
+              <a:rPr dirty="0"/>
+              <a:t> para o </a:t>
+            </a:r>
+            <a:r>
+              <a:rPr dirty="0" err="1"/>
+              <a:t>desempenho</a:t>
+            </a:r>
+            <a:r>
+              <a:rPr dirty="0"/>
+              <a:t> do </a:t>
+            </a:r>
+            <a:r>
+              <a:rPr dirty="0" err="1"/>
+              <a:t>modelo</a:t>
+            </a:r>
+            <a:r>
+              <a:rPr dirty="0"/>
+              <a:t>.</a:t>
+            </a:r>
+          </a:p>
+        </p:txBody>
+      </p:sp>
+      <p:pic>
+        <p:nvPicPr>
+          <p:cNvPr id="7" name="Graphic 6" descr="Contorno de robô">
+            <a:extLst>
+              <a:ext uri="{FF2B5EF4-FFF2-40B4-BE49-F238E27FC236}">
+                <a16:creationId xmlns:a16="http://schemas.microsoft.com/office/drawing/2014/main" id="{C5B5252F-E0FC-E78E-BE0C-180B4C49D3A0}"/>
+              </a:ext>
+            </a:extLst>
+          </p:cNvPr>
+          <p:cNvPicPr>
+            <a:picLocks noChangeAspect="1"/>
+          </p:cNvPicPr>
+          <p:nvPr/>
+        </p:nvPicPr>
+        <p:blipFill>
+          <a:blip r:embed="rId3">
+            <a:extLst>
+              <a:ext uri="{28A0092B-C50C-407E-A947-70E740481C1C}">
+                <a14:useLocalDpi xmlns:a14="http://schemas.microsoft.com/office/drawing/2010/main" val="0"/>
+              </a:ext>
+              <a:ext uri="{96DAC541-7B7A-43D3-8B79-37D633B846F1}">
+                <asvg:svgBlip xmlns:asvg="http://schemas.microsoft.com/office/drawing/2016/SVG/main" r:embed="rId4"/>
+              </a:ext>
+            </a:extLst>
+          </a:blip>
+          <a:stretch>
+            <a:fillRect/>
+          </a:stretch>
+        </p:blipFill>
+        <p:spPr>
+          <a:xfrm>
+            <a:off x="6227419" y="1030289"/>
+            <a:ext cx="2314574" cy="2314574"/>
+          </a:xfrm>
+          <a:prstGeom prst="roundRect">
+            <a:avLst>
+              <a:gd name="adj" fmla="val 7306"/>
+            </a:avLst>
+          </a:prstGeom>
+          <a:ln w="50800" cap="sq" cmpd="dbl">
+            <a:gradFill flip="none" rotWithShape="1">
+              <a:gsLst>
+                <a:gs pos="0">
+                  <a:srgbClr val="FFFFFF"/>
+                </a:gs>
+                <a:gs pos="100000">
+                  <a:schemeClr val="tx1">
+                    <a:alpha val="0"/>
+                  </a:schemeClr>
+                </a:gs>
+              </a:gsLst>
+              <a:path path="circle">
+                <a:fillToRect l="50000" t="50000" r="50000" b="50000"/>
+              </a:path>
+              <a:tileRect/>
+            </a:gradFill>
+            <a:miter lim="800000"/>
+          </a:ln>
+          <a:effectLst>
+            <a:outerShdw blurRad="254000" algn="tl" rotWithShape="0">
+              <a:srgbClr val="000000">
+                <a:alpha val="43000"/>
+              </a:srgbClr>
+            </a:outerShdw>
+          </a:effectLst>
+        </p:spPr>
+      </p:pic>
+      <p:pic>
+        <p:nvPicPr>
+          <p:cNvPr id="8" name="Imagem 7" descr="Código QR&#10;&#10;Descrição gerada automaticamente">
+            <a:extLst>
+              <a:ext uri="{FF2B5EF4-FFF2-40B4-BE49-F238E27FC236}">
+                <a16:creationId xmlns:a16="http://schemas.microsoft.com/office/drawing/2014/main" id="{EE5294A1-6286-C184-AD7B-D826B6B530B3}"/>
+              </a:ext>
+            </a:extLst>
+          </p:cNvPr>
+          <p:cNvPicPr>
+            <a:picLocks noChangeAspect="1"/>
+          </p:cNvPicPr>
+          <p:nvPr/>
+        </p:nvPicPr>
+        <p:blipFill>
+          <a:blip r:embed="rId5"/>
+          <a:stretch>
+            <a:fillRect/>
+          </a:stretch>
+        </p:blipFill>
+        <p:spPr>
+          <a:xfrm>
+            <a:off x="6227419" y="3508376"/>
+            <a:ext cx="2314574" cy="2314574"/>
+          </a:xfrm>
+          <a:prstGeom prst="roundRect">
+            <a:avLst>
+              <a:gd name="adj" fmla="val 7306"/>
+            </a:avLst>
+          </a:prstGeom>
+          <a:ln w="50800" cap="sq" cmpd="dbl">
+            <a:gradFill flip="none" rotWithShape="1">
+              <a:gsLst>
+                <a:gs pos="0">
+                  <a:srgbClr val="FFFFFF"/>
+                </a:gs>
+                <a:gs pos="100000">
+                  <a:schemeClr val="tx1">
+                    <a:alpha val="0"/>
+                  </a:schemeClr>
+                </a:gs>
+              </a:gsLst>
+              <a:path path="circle">
+                <a:fillToRect l="50000" t="50000" r="50000" b="50000"/>
+              </a:path>
+              <a:tileRect/>
+            </a:gradFill>
+            <a:miter lim="800000"/>
+          </a:ln>
+          <a:effectLst>
+            <a:outerShdw blurRad="254000" algn="tl" rotWithShape="0">
+              <a:srgbClr val="000000">
+                <a:alpha val="43000"/>
+              </a:srgbClr>
+            </a:outerShdw>
+          </a:effectLst>
+        </p:spPr>
+      </p:pic>
+      <p:sp>
+        <p:nvSpPr>
+          <p:cNvPr id="9" name="Content Placeholder 2">
+            <a:extLst>
+              <a:ext uri="{FF2B5EF4-FFF2-40B4-BE49-F238E27FC236}">
+                <a16:creationId xmlns:a16="http://schemas.microsoft.com/office/drawing/2014/main" id="{09193E4B-97C4-CD95-1D29-5FEF22BC84B8}"/>
+              </a:ext>
+            </a:extLst>
+          </p:cNvPr>
+          <p:cNvSpPr txBox="1">
+            <a:spLocks/>
+          </p:cNvSpPr>
+          <p:nvPr/>
+        </p:nvSpPr>
+        <p:spPr>
+          <a:xfrm>
+            <a:off x="6393926" y="5791200"/>
+            <a:ext cx="1981559" cy="457200"/>
+          </a:xfrm>
+          <a:prstGeom prst="rect">
+            <a:avLst/>
+          </a:prstGeom>
+        </p:spPr>
+        <p:txBody>
+          <a:bodyPr vert="horz" lIns="91440" tIns="45720" rIns="91440" bIns="45720" rtlCol="0" anchor="ctr">
+            <a:normAutofit/>
+          </a:bodyPr>
+          <a:lstStyle>
+            <a:lvl1pPr marL="285750" indent="-285750" algn="l" defTabSz="457200" rtl="0" eaLnBrk="1" latinLnBrk="0" hangingPunct="1">
+              <a:spcBef>
+                <a:spcPts val="0"/>
+              </a:spcBef>
+              <a:spcAft>
+                <a:spcPts val="1000"/>
+              </a:spcAft>
+              <a:buClr>
+                <a:schemeClr val="tx1"/>
+              </a:buClr>
+              <a:buSzPct val="100000"/>
+              <a:buFont typeface="Arial"/>
+              <a:buChar char="•"/>
+              <a:defRPr sz="1800" kern="1200" cap="none">
+                <a:solidFill>
+                  <a:schemeClr val="tx1"/>
+                </a:solidFill>
+                <a:effectLst/>
+                <a:latin typeface="+mn-lt"/>
+                <a:ea typeface="+mn-ea"/>
+                <a:cs typeface="+mn-cs"/>
+              </a:defRPr>
+            </a:lvl1pPr>
+            <a:lvl2pPr marL="742950" indent="-285750" algn="l" defTabSz="457200" rtl="0" eaLnBrk="1" latinLnBrk="0" hangingPunct="1">
+              <a:spcBef>
+                <a:spcPts val="0"/>
+              </a:spcBef>
+              <a:spcAft>
+                <a:spcPts val="1000"/>
+              </a:spcAft>
+              <a:buClr>
+                <a:schemeClr val="tx1"/>
+              </a:buClr>
+              <a:buSzPct val="100000"/>
+              <a:buFont typeface="Arial"/>
+              <a:buChar char="•"/>
+              <a:defRPr sz="1600" kern="1200" cap="none">
+                <a:solidFill>
+                  <a:schemeClr val="tx1"/>
+                </a:solidFill>
+                <a:effectLst/>
+                <a:latin typeface="+mn-lt"/>
+                <a:ea typeface="+mn-ea"/>
+                <a:cs typeface="+mn-cs"/>
+              </a:defRPr>
+            </a:lvl2pPr>
+            <a:lvl3pPr marL="1200150" indent="-285750" algn="l" defTabSz="457200" rtl="0" eaLnBrk="1" latinLnBrk="0" hangingPunct="1">
+              <a:spcBef>
+                <a:spcPts val="0"/>
+              </a:spcBef>
+              <a:spcAft>
+                <a:spcPts val="1000"/>
+              </a:spcAft>
+              <a:buClr>
+                <a:schemeClr val="tx1"/>
+              </a:buClr>
+              <a:buSzPct val="100000"/>
+              <a:buFont typeface="Arial"/>
+              <a:buChar char="•"/>
+              <a:defRPr sz="1400" kern="1200" cap="none">
+                <a:solidFill>
+                  <a:schemeClr val="tx1"/>
+                </a:solidFill>
+                <a:effectLst/>
+                <a:latin typeface="+mn-lt"/>
+                <a:ea typeface="+mn-ea"/>
+                <a:cs typeface="+mn-cs"/>
+              </a:defRPr>
+            </a:lvl3pPr>
+            <a:lvl4pPr marL="1543050" indent="-171450" algn="l" defTabSz="457200" rtl="0" eaLnBrk="1" latinLnBrk="0" hangingPunct="1">
+              <a:spcBef>
+                <a:spcPts val="0"/>
+              </a:spcBef>
+              <a:spcAft>
+                <a:spcPts val="1000"/>
+              </a:spcAft>
+              <a:buClr>
+                <a:schemeClr val="tx1"/>
+              </a:buClr>
+              <a:buSzPct val="100000"/>
+              <a:buFont typeface="Arial"/>
+              <a:buChar char="•"/>
+              <a:defRPr sz="1200" kern="1200" cap="none">
+                <a:solidFill>
+                  <a:schemeClr val="tx1"/>
+                </a:solidFill>
+                <a:effectLst/>
+                <a:latin typeface="+mn-lt"/>
+                <a:ea typeface="+mn-ea"/>
+                <a:cs typeface="+mn-cs"/>
+              </a:defRPr>
+            </a:lvl4pPr>
+            <a:lvl5pPr marL="2000250" indent="-171450" algn="l" defTabSz="457200" rtl="0" eaLnBrk="1" latinLnBrk="0" hangingPunct="1">
+              <a:spcBef>
+                <a:spcPts val="0"/>
+              </a:spcBef>
+              <a:spcAft>
+                <a:spcPts val="1000"/>
+              </a:spcAft>
+              <a:buClr>
+                <a:schemeClr val="tx1"/>
+              </a:buClr>
+              <a:buSzPct val="100000"/>
+              <a:buFont typeface="Arial"/>
+              <a:buChar char="•"/>
+              <a:defRPr sz="1200" kern="1200" cap="none">
+                <a:solidFill>
+                  <a:schemeClr val="tx1"/>
+                </a:solidFill>
+                <a:effectLst/>
+                <a:latin typeface="+mn-lt"/>
+                <a:ea typeface="+mn-ea"/>
+                <a:cs typeface="+mn-cs"/>
+              </a:defRPr>
+            </a:lvl5pPr>
+            <a:lvl6pPr marL="2514600" indent="-228600" algn="l" defTabSz="457200" rtl="0" eaLnBrk="1" latinLnBrk="0" hangingPunct="1">
+              <a:spcBef>
+                <a:spcPts val="0"/>
+              </a:spcBef>
+              <a:spcAft>
+                <a:spcPts val="1000"/>
+              </a:spcAft>
+              <a:buClr>
+                <a:schemeClr val="tx1"/>
+              </a:buClr>
+              <a:buSzPct val="100000"/>
+              <a:buFont typeface="Arial"/>
+              <a:buChar char="•"/>
+              <a:defRPr sz="1200" kern="1200" cap="none">
+                <a:solidFill>
+                  <a:schemeClr val="tx1"/>
+                </a:solidFill>
+                <a:effectLst/>
+                <a:latin typeface="+mn-lt"/>
+                <a:ea typeface="+mn-ea"/>
+                <a:cs typeface="+mn-cs"/>
+              </a:defRPr>
+            </a:lvl6pPr>
+            <a:lvl7pPr marL="2971800" indent="-228600" algn="l" defTabSz="457200" rtl="0" eaLnBrk="1" latinLnBrk="0" hangingPunct="1">
+              <a:spcBef>
+                <a:spcPts val="0"/>
+              </a:spcBef>
+              <a:spcAft>
+                <a:spcPts val="1000"/>
+              </a:spcAft>
+              <a:buClr>
+                <a:schemeClr val="tx1"/>
+              </a:buClr>
+              <a:buSzPct val="100000"/>
+              <a:buFont typeface="Arial"/>
+              <a:buChar char="•"/>
+              <a:defRPr sz="1200" kern="1200" cap="none">
+                <a:solidFill>
+                  <a:schemeClr val="tx1"/>
+                </a:solidFill>
+                <a:effectLst/>
+                <a:latin typeface="+mn-lt"/>
+                <a:ea typeface="+mn-ea"/>
+                <a:cs typeface="+mn-cs"/>
+              </a:defRPr>
+            </a:lvl7pPr>
+            <a:lvl8pPr marL="3429000" indent="-228600" algn="l" defTabSz="457200" rtl="0" eaLnBrk="1" latinLnBrk="0" hangingPunct="1">
+              <a:spcBef>
+                <a:spcPts val="0"/>
+              </a:spcBef>
+              <a:spcAft>
+                <a:spcPts val="1000"/>
+              </a:spcAft>
+              <a:buClr>
+                <a:schemeClr val="tx1"/>
+              </a:buClr>
+              <a:buSzPct val="100000"/>
+              <a:buFont typeface="Arial"/>
+              <a:buChar char="•"/>
+              <a:defRPr sz="1200" kern="1200" cap="none">
+                <a:solidFill>
+                  <a:schemeClr val="tx1"/>
+                </a:solidFill>
+                <a:effectLst/>
+                <a:latin typeface="+mn-lt"/>
+                <a:ea typeface="+mn-ea"/>
+                <a:cs typeface="+mn-cs"/>
+              </a:defRPr>
+            </a:lvl8pPr>
+            <a:lvl9pPr marL="3886200" indent="-228600" algn="l" defTabSz="457200" rtl="0" eaLnBrk="1" latinLnBrk="0" hangingPunct="1">
+              <a:spcBef>
+                <a:spcPts val="0"/>
+              </a:spcBef>
+              <a:spcAft>
+                <a:spcPts val="1000"/>
+              </a:spcAft>
+              <a:buClr>
+                <a:schemeClr val="tx1"/>
+              </a:buClr>
+              <a:buSzPct val="100000"/>
+              <a:buFont typeface="Arial"/>
+              <a:buChar char="•"/>
+              <a:defRPr sz="1200" kern="1200" cap="none">
+                <a:solidFill>
+                  <a:schemeClr val="tx1"/>
+                </a:solidFill>
+                <a:effectLst/>
+                <a:latin typeface="+mn-lt"/>
+                <a:ea typeface="+mn-ea"/>
+                <a:cs typeface="+mn-cs"/>
+              </a:defRPr>
+            </a:lvl9pPr>
+          </a:lstStyle>
+          <a:p>
+            <a:pPr marL="0" indent="0" algn="ctr">
+              <a:buNone/>
+            </a:pPr>
+            <a:r>
+              <a:rPr lang="pt-BR" b="1" dirty="0"/>
+              <a:t>GITHUB LINK</a:t>
+            </a:r>
+          </a:p>
+        </p:txBody>
+      </p:sp>
+    </p:spTree>
+  </p:cSld>
+  <p:clrMapOvr>
+    <a:masterClrMapping/>
+  </p:clrMapOvr>
+</p:sld>
+</file>
+
 <file path=ppt/slides/slide2.xml><?xml version="1.0" encoding="utf-8"?>
 <p:sld xmlns:a="http://schemas.openxmlformats.org/drawingml/2006/main" xmlns:r="http://schemas.openxmlformats.org/officeDocument/2006/relationships" xmlns:p="http://schemas.openxmlformats.org/presentationml/2006/main">
   <p:cSld>
@@ -6530,30 +8017,6 @@
             <a:r>
               <a:rPr dirty="0" err="1"/>
               <a:t>decisão</a:t>
-            </a:r>
-            <a:r>
-              <a:rPr dirty="0"/>
-              <a:t> </a:t>
-            </a:r>
-            <a:r>
-              <a:rPr dirty="0" err="1"/>
-              <a:t>ou</a:t>
-            </a:r>
-            <a:r>
-              <a:rPr dirty="0"/>
-              <a:t> </a:t>
-            </a:r>
-            <a:r>
-              <a:rPr dirty="0" err="1"/>
-              <a:t>algoritmos</a:t>
-            </a:r>
-            <a:r>
-              <a:rPr dirty="0"/>
-              <a:t> de </a:t>
-            </a:r>
-            <a:r>
-              <a:rPr dirty="0" err="1"/>
-              <a:t>regressão</a:t>
             </a:r>
             <a:r>
               <a:rPr dirty="0"/>
@@ -6701,8 +8164,8 @@
         </p:nvSpPr>
         <p:spPr>
           <a:xfrm>
-            <a:off x="514351" y="609600"/>
-            <a:ext cx="4711700" cy="1456267"/>
+            <a:off x="514351" y="440821"/>
+            <a:ext cx="4711700" cy="780288"/>
           </a:xfrm>
         </p:spPr>
         <p:txBody>
@@ -6711,10 +8174,16 @@
           </a:bodyPr>
           <a:lstStyle/>
           <a:p>
-            <a:r>
-              <a:rPr lang="en-US" sz="3600"/>
-              <a:t>O Jogo da Velha</a:t>
-            </a:r>
+            <a:pPr algn="ctr"/>
+            <a:r>
+              <a:rPr lang="en-US" sz="3600" b="1" dirty="0"/>
+              <a:t>Jogo da </a:t>
+            </a:r>
+            <a:r>
+              <a:rPr lang="en-US" sz="3600" b="1" dirty="0" err="1"/>
+              <a:t>Velha</a:t>
+            </a:r>
+            <a:endParaRPr lang="en-US" sz="3600" b="1" dirty="0"/>
           </a:p>
         </p:txBody>
       </p:sp>
@@ -6726,8 +8195,8 @@
         </p:nvSpPr>
         <p:spPr>
           <a:xfrm>
-            <a:off x="514351" y="2142067"/>
-            <a:ext cx="4711700" cy="3649133"/>
+            <a:off x="514350" y="1221109"/>
+            <a:ext cx="5090921" cy="2377439"/>
           </a:xfrm>
           <a:prstGeom prst="rect">
             <a:avLst/>
@@ -6747,8 +8216,6 @@
                 <a:schemeClr val="tx1"/>
               </a:buClr>
               <a:buSzPct val="100000"/>
-              <a:buFont typeface="Arial"/>
-              <a:buChar char="•"/>
             </a:pPr>
             <a:r>
               <a:rPr lang="en-US" dirty="0"/>
@@ -6921,6 +8388,56 @@
             <a:r>
               <a:rPr lang="en-US" dirty="0"/>
               <a:t> diagonal.</a:t>
+            </a:r>
+            <a:br>
+              <a:rPr lang="en-US" dirty="0"/>
+            </a:br>
+            <a:br>
+              <a:rPr lang="en-US" dirty="0"/>
+            </a:br>
+            <a:r>
+              <a:rPr lang="en-US" dirty="0"/>
+              <a:t> O </a:t>
+            </a:r>
+            <a:r>
+              <a:rPr lang="en-US" dirty="0" err="1"/>
+              <a:t>jogo</a:t>
+            </a:r>
+            <a:r>
+              <a:rPr lang="en-US" dirty="0"/>
+              <a:t> </a:t>
+            </a:r>
+            <a:r>
+              <a:rPr lang="en-US" dirty="0" err="1"/>
+              <a:t>foi</a:t>
+            </a:r>
+            <a:r>
+              <a:rPr lang="en-US" dirty="0"/>
+              <a:t> </a:t>
+            </a:r>
+            <a:r>
+              <a:rPr lang="en-US" dirty="0" err="1"/>
+              <a:t>criado</a:t>
+            </a:r>
+            <a:r>
+              <a:rPr lang="en-US" dirty="0"/>
+              <a:t> </a:t>
+            </a:r>
+            <a:r>
+              <a:rPr lang="en-US" dirty="0" err="1"/>
+              <a:t>em</a:t>
+            </a:r>
+            <a:r>
+              <a:rPr lang="en-US" dirty="0"/>
+              <a:t> </a:t>
+            </a:r>
+            <a:r>
+              <a:rPr lang="en-US" dirty="0" err="1"/>
+              <a:t>linguagem</a:t>
+            </a:r>
+            <a:r>
+              <a:rPr lang="en-US" dirty="0"/>
+              <a:t> Python (game.py):</a:t>
             </a:r>
           </a:p>
         </p:txBody>
@@ -6941,8 +8458,1391 @@
         </p:blipFill>
         <p:spPr>
           <a:xfrm>
-            <a:off x="5693202" y="2095885"/>
+            <a:off x="5891692" y="440821"/>
             <a:ext cx="2584285" cy="2590028"/>
+          </a:xfrm>
+          <a:prstGeom prst="rect">
+            <a:avLst/>
+          </a:prstGeom>
+          <a:ln>
+            <a:noFill/>
+          </a:ln>
+          <a:effectLst>
+            <a:outerShdw blurRad="190500" algn="tl" rotWithShape="0">
+              <a:srgbClr val="000000">
+                <a:alpha val="70000"/>
+              </a:srgbClr>
+            </a:outerShdw>
+          </a:effectLst>
+        </p:spPr>
+      </p:pic>
+      <p:pic>
+        <p:nvPicPr>
+          <p:cNvPr id="6" name="Imagem 5">
+            <a:extLst>
+              <a:ext uri="{FF2B5EF4-FFF2-40B4-BE49-F238E27FC236}">
+                <a16:creationId xmlns:a16="http://schemas.microsoft.com/office/drawing/2014/main" id="{0E44D638-D5BE-A1DE-EB49-97176EA3EE75}"/>
+              </a:ext>
+            </a:extLst>
+          </p:cNvPr>
+          <p:cNvPicPr>
+            <a:picLocks noChangeAspect="1"/>
+          </p:cNvPicPr>
+          <p:nvPr/>
+        </p:nvPicPr>
+        <p:blipFill>
+          <a:blip r:embed="rId5"/>
+          <a:stretch>
+            <a:fillRect/>
+          </a:stretch>
+        </p:blipFill>
+        <p:spPr>
+          <a:xfrm>
+            <a:off x="1680598" y="3435018"/>
+            <a:ext cx="5780422" cy="3073277"/>
+          </a:xfrm>
+          <a:prstGeom prst="rect">
+            <a:avLst/>
+          </a:prstGeom>
+          <a:ln>
+            <a:noFill/>
+          </a:ln>
+          <a:effectLst>
+            <a:outerShdw blurRad="190500" algn="tl" rotWithShape="0">
+              <a:srgbClr val="000000">
+                <a:alpha val="70000"/>
+              </a:srgbClr>
+            </a:outerShdw>
+          </a:effectLst>
+        </p:spPr>
+      </p:pic>
+    </p:spTree>
+  </p:cSld>
+  <p:clrMapOvr>
+    <a:masterClrMapping/>
+  </p:clrMapOvr>
+</p:sld>
+</file>
+
+<file path=ppt/slides/slide4.xml><?xml version="1.0" encoding="utf-8"?>
+<p:sld xmlns:a="http://schemas.openxmlformats.org/drawingml/2006/main" xmlns:r="http://schemas.openxmlformats.org/officeDocument/2006/relationships" xmlns:p="http://schemas.openxmlformats.org/presentationml/2006/main">
+  <p:cSld>
+    <p:bg>
+      <p:bgPr>
+        <a:blipFill>
+          <a:blip r:embed="rId2"/>
+          <a:stretch/>
+        </a:blipFill>
+        <a:effectLst/>
+      </p:bgPr>
+    </p:bg>
+    <p:spTree>
+      <p:nvGrpSpPr>
+        <p:cNvPr id="1" name=""/>
+        <p:cNvGrpSpPr/>
+        <p:nvPr/>
+      </p:nvGrpSpPr>
+      <p:grpSpPr>
+        <a:xfrm>
+          <a:off x="0" y="0"/>
+          <a:ext cx="0" cy="0"/>
+          <a:chOff x="0" y="0"/>
+          <a:chExt cx="0" cy="0"/>
+        </a:xfrm>
+      </p:grpSpPr>
+      <p:pic>
+        <p:nvPicPr>
+          <p:cNvPr id="9" name="Picture 8">
+            <a:extLst>
+              <a:ext uri="{FF2B5EF4-FFF2-40B4-BE49-F238E27FC236}">
+                <a16:creationId xmlns:a16="http://schemas.microsoft.com/office/drawing/2014/main" id="{A53ED3FC-3BE8-4F1F-BEF1-74B1C721718A}"/>
+              </a:ext>
+              <a:ext uri="{C183D7F6-B498-43B3-948B-1728B52AA6E4}">
+                <adec:decorative xmlns:adec="http://schemas.microsoft.com/office/drawing/2017/decorative" val="1"/>
+              </a:ext>
+            </a:extLst>
+          </p:cNvPr>
+          <p:cNvPicPr>
+            <a:picLocks noGrp="1" noRot="1" noChangeAspect="1" noMove="1" noResize="1" noEditPoints="1" noAdjustHandles="1" noChangeArrowheads="1" noChangeShapeType="1" noCrop="1"/>
+          </p:cNvPicPr>
+          <p:nvPr>
+            <p:extLst>
+              <p:ext uri="{386F3935-93C4-4BCD-93E2-E3B085C9AB24}">
+                <p16:designElem xmlns:p16="http://schemas.microsoft.com/office/powerpoint/2015/main" val="1"/>
+              </p:ext>
+            </p:extLst>
+          </p:nvPr>
+        </p:nvPicPr>
+        <p:blipFill>
+          <a:blip r:embed="rId3">
+            <a:extLst>
+              <a:ext uri="{28A0092B-C50C-407E-A947-70E740481C1C}">
+                <a14:useLocalDpi xmlns:a14="http://schemas.microsoft.com/office/drawing/2010/main" val="0"/>
+              </a:ext>
+            </a:extLst>
+          </a:blip>
+          <a:stretch>
+            <a:fillRect/>
+          </a:stretch>
+        </p:blipFill>
+        <p:spPr>
+          <a:xfrm>
+            <a:off x="0" y="0"/>
+            <a:ext cx="9141618" cy="6856214"/>
+          </a:xfrm>
+          <a:prstGeom prst="rect">
+            <a:avLst/>
+          </a:prstGeom>
+        </p:spPr>
+      </p:pic>
+      <p:sp>
+        <p:nvSpPr>
+          <p:cNvPr id="2" name="Title 1"/>
+          <p:cNvSpPr>
+            <a:spLocks noGrp="1"/>
+          </p:cNvSpPr>
+          <p:nvPr>
+            <p:ph type="title"/>
+          </p:nvPr>
+        </p:nvSpPr>
+        <p:spPr>
+          <a:xfrm>
+            <a:off x="514351" y="440821"/>
+            <a:ext cx="4711700" cy="780288"/>
+          </a:xfrm>
+        </p:spPr>
+        <p:txBody>
+          <a:bodyPr vert="horz" lIns="91440" tIns="45720" rIns="91440" bIns="45720" rtlCol="0" anchor="ctr">
+            <a:normAutofit/>
+          </a:bodyPr>
+          <a:lstStyle/>
+          <a:p>
+            <a:pPr algn="ctr"/>
+            <a:r>
+              <a:rPr lang="en-US" sz="3600" b="1" dirty="0"/>
+              <a:t>Jogo da </a:t>
+            </a:r>
+            <a:r>
+              <a:rPr lang="en-US" sz="3600" b="1" dirty="0" err="1"/>
+              <a:t>Velha</a:t>
+            </a:r>
+            <a:endParaRPr lang="en-US" sz="3600" b="1" dirty="0"/>
+          </a:p>
+        </p:txBody>
+      </p:sp>
+      <p:sp>
+        <p:nvSpPr>
+          <p:cNvPr id="3" name="TextBox 2"/>
+          <p:cNvSpPr txBox="1"/>
+          <p:nvPr/>
+        </p:nvSpPr>
+        <p:spPr>
+          <a:xfrm>
+            <a:off x="514350" y="1300667"/>
+            <a:ext cx="6965442" cy="1470794"/>
+          </a:xfrm>
+          <a:prstGeom prst="rect">
+            <a:avLst/>
+          </a:prstGeom>
+        </p:spPr>
+        <p:txBody>
+          <a:bodyPr vert="horz" lIns="91440" tIns="45720" rIns="91440" bIns="45720" rtlCol="0" anchor="ctr">
+            <a:normAutofit/>
+          </a:bodyPr>
+          <a:lstStyle/>
+          <a:p>
+            <a:pPr algn="just">
+              <a:spcAft>
+                <a:spcPts val="1000"/>
+              </a:spcAft>
+              <a:buClr>
+                <a:schemeClr val="tx1"/>
+              </a:buClr>
+              <a:buSzPct val="100000"/>
+            </a:pPr>
+            <a:r>
+              <a:rPr lang="pt-BR" dirty="0"/>
+              <a:t>O método </a:t>
+            </a:r>
+            <a:r>
+              <a:rPr lang="pt-BR" b="1" dirty="0" err="1"/>
+              <a:t>make_move</a:t>
+            </a:r>
+            <a:r>
+              <a:rPr lang="pt-BR" b="1" dirty="0"/>
+              <a:t> </a:t>
+            </a:r>
+            <a:r>
+              <a:rPr lang="pt-BR" dirty="0"/>
+              <a:t>permite que os jogadores façam movimentos nas posições vazias, marcando com "X" ou "O". O método </a:t>
+            </a:r>
+            <a:r>
+              <a:rPr lang="pt-BR" b="1" dirty="0" err="1"/>
+              <a:t>winner</a:t>
+            </a:r>
+            <a:r>
+              <a:rPr lang="pt-BR" dirty="0"/>
+              <a:t> verifica se um jogador venceu analisando as linhas, colunas e diagonais. O jogo continua enquanto houver espaços vazios no tabuleiro, e o vencedor é registrado quando uma condição de vitória é atendida</a:t>
+            </a:r>
+            <a:endParaRPr lang="en-US" dirty="0"/>
+          </a:p>
+        </p:txBody>
+      </p:sp>
+      <p:pic>
+        <p:nvPicPr>
+          <p:cNvPr id="7" name="Imagem 6">
+            <a:extLst>
+              <a:ext uri="{FF2B5EF4-FFF2-40B4-BE49-F238E27FC236}">
+                <a16:creationId xmlns:a16="http://schemas.microsoft.com/office/drawing/2014/main" id="{B5BC3B13-D666-E2B6-CF45-365B6A61FE27}"/>
+              </a:ext>
+            </a:extLst>
+          </p:cNvPr>
+          <p:cNvPicPr>
+            <a:picLocks noChangeAspect="1"/>
+          </p:cNvPicPr>
+          <p:nvPr/>
+        </p:nvPicPr>
+        <p:blipFill>
+          <a:blip r:embed="rId4"/>
+          <a:stretch>
+            <a:fillRect/>
+          </a:stretch>
+        </p:blipFill>
+        <p:spPr>
+          <a:xfrm>
+            <a:off x="1353789" y="2851020"/>
+            <a:ext cx="6434040" cy="3687803"/>
+          </a:xfrm>
+          <a:prstGeom prst="rect">
+            <a:avLst/>
+          </a:prstGeom>
+          <a:ln>
+            <a:noFill/>
+          </a:ln>
+          <a:effectLst>
+            <a:outerShdw blurRad="190500" algn="tl" rotWithShape="0">
+              <a:srgbClr val="000000">
+                <a:alpha val="70000"/>
+              </a:srgbClr>
+            </a:outerShdw>
+          </a:effectLst>
+        </p:spPr>
+      </p:pic>
+    </p:spTree>
+    <p:extLst>
+      <p:ext uri="{BB962C8B-B14F-4D97-AF65-F5344CB8AC3E}">
+        <p14:creationId xmlns:p14="http://schemas.microsoft.com/office/powerpoint/2010/main" val="2610580156"/>
+      </p:ext>
+    </p:extLst>
+  </p:cSld>
+  <p:clrMapOvr>
+    <a:masterClrMapping/>
+  </p:clrMapOvr>
+</p:sld>
+</file>
+
+<file path=ppt/slides/slide5.xml><?xml version="1.0" encoding="utf-8"?>
+<p:sld xmlns:a="http://schemas.openxmlformats.org/drawingml/2006/main" xmlns:r="http://schemas.openxmlformats.org/officeDocument/2006/relationships" xmlns:p="http://schemas.openxmlformats.org/presentationml/2006/main">
+  <p:cSld>
+    <p:spTree>
+      <p:nvGrpSpPr>
+        <p:cNvPr id="1" name=""/>
+        <p:cNvGrpSpPr/>
+        <p:nvPr/>
+      </p:nvGrpSpPr>
+      <p:grpSpPr>
+        <a:xfrm>
+          <a:off x="0" y="0"/>
+          <a:ext cx="0" cy="0"/>
+          <a:chOff x="0" y="0"/>
+          <a:chExt cx="0" cy="0"/>
+        </a:xfrm>
+      </p:grpSpPr>
+      <p:sp>
+        <p:nvSpPr>
+          <p:cNvPr id="2" name="Title 1"/>
+          <p:cNvSpPr>
+            <a:spLocks noGrp="1"/>
+          </p:cNvSpPr>
+          <p:nvPr>
+            <p:ph type="title"/>
+          </p:nvPr>
+        </p:nvSpPr>
+        <p:spPr>
+          <a:xfrm>
+            <a:off x="576072" y="311572"/>
+            <a:ext cx="7772400" cy="877148"/>
+          </a:xfrm>
+        </p:spPr>
+        <p:txBody>
+          <a:bodyPr/>
+          <a:lstStyle/>
+          <a:p>
+            <a:pPr algn="ctr"/>
+            <a:r>
+              <a:rPr b="1" dirty="0" err="1"/>
+              <a:t>Algoritmos</a:t>
+            </a:r>
+            <a:r>
+              <a:rPr b="1" dirty="0"/>
+              <a:t> de </a:t>
+            </a:r>
+            <a:r>
+              <a:rPr b="1" dirty="0" err="1"/>
+              <a:t>Aprendizado</a:t>
+            </a:r>
+            <a:r>
+              <a:rPr b="1" dirty="0"/>
+              <a:t> de </a:t>
+            </a:r>
+            <a:r>
+              <a:rPr b="1" dirty="0" err="1"/>
+              <a:t>Máquina</a:t>
+            </a:r>
+            <a:endParaRPr b="1" dirty="0"/>
+          </a:p>
+        </p:txBody>
+      </p:sp>
+      <p:sp>
+        <p:nvSpPr>
+          <p:cNvPr id="3" name="Content Placeholder 2"/>
+          <p:cNvSpPr>
+            <a:spLocks noGrp="1"/>
+          </p:cNvSpPr>
+          <p:nvPr>
+            <p:ph idx="1"/>
+          </p:nvPr>
+        </p:nvSpPr>
+        <p:spPr>
+          <a:xfrm>
+            <a:off x="384048" y="1188720"/>
+            <a:ext cx="6517084" cy="1271017"/>
+          </a:xfrm>
+        </p:spPr>
+        <p:txBody>
+          <a:bodyPr>
+            <a:normAutofit lnSpcReduction="10000"/>
+          </a:bodyPr>
+          <a:lstStyle/>
+          <a:p>
+            <a:r>
+              <a:rPr dirty="0"/>
+              <a:t>O </a:t>
+            </a:r>
+            <a:r>
+              <a:rPr dirty="0" err="1"/>
+              <a:t>modelo</a:t>
+            </a:r>
+            <a:r>
+              <a:rPr dirty="0"/>
+              <a:t> de IA </a:t>
+            </a:r>
+            <a:r>
+              <a:rPr dirty="0" err="1"/>
+              <a:t>foi</a:t>
+            </a:r>
+            <a:r>
+              <a:rPr dirty="0"/>
+              <a:t> </a:t>
+            </a:r>
+            <a:r>
+              <a:rPr dirty="0" err="1"/>
+              <a:t>treinado</a:t>
+            </a:r>
+            <a:r>
+              <a:rPr dirty="0"/>
+              <a:t> </a:t>
+            </a:r>
+            <a:r>
+              <a:rPr dirty="0" err="1"/>
+              <a:t>usando</a:t>
+            </a:r>
+            <a:r>
+              <a:rPr dirty="0"/>
+              <a:t> </a:t>
+            </a:r>
+            <a:r>
+              <a:rPr dirty="0" err="1"/>
+              <a:t>os</a:t>
+            </a:r>
+            <a:r>
+              <a:rPr dirty="0"/>
+              <a:t> </a:t>
+            </a:r>
+            <a:r>
+              <a:rPr dirty="0" err="1"/>
+              <a:t>seguintes</a:t>
+            </a:r>
+            <a:r>
+              <a:rPr dirty="0"/>
+              <a:t> </a:t>
+            </a:r>
+            <a:r>
+              <a:rPr dirty="0" err="1"/>
+              <a:t>algoritmos</a:t>
+            </a:r>
+            <a:r>
+              <a:rPr lang="pt-BR" dirty="0"/>
+              <a:t> de </a:t>
+            </a:r>
+            <a:r>
+              <a:rPr dirty="0" err="1"/>
+              <a:t>Árvore</a:t>
+            </a:r>
+            <a:r>
+              <a:rPr dirty="0"/>
+              <a:t> de </a:t>
+            </a:r>
+            <a:r>
+              <a:rPr dirty="0" err="1"/>
+              <a:t>Decisão</a:t>
+            </a:r>
+            <a:r>
+              <a:rPr lang="pt-BR" dirty="0"/>
+              <a:t>.</a:t>
+            </a:r>
+            <a:endParaRPr dirty="0"/>
+          </a:p>
+          <a:p>
+            <a:pPr marL="0" indent="0">
+              <a:buNone/>
+            </a:pPr>
+            <a:r>
+              <a:rPr dirty="0" err="1"/>
+              <a:t>Os</a:t>
+            </a:r>
+            <a:r>
+              <a:rPr dirty="0"/>
+              <a:t> dados do </a:t>
+            </a:r>
+            <a:r>
+              <a:rPr dirty="0" err="1"/>
+              <a:t>jogo</a:t>
+            </a:r>
+            <a:r>
+              <a:rPr dirty="0"/>
+              <a:t> </a:t>
+            </a:r>
+            <a:r>
+              <a:rPr dirty="0" err="1"/>
+              <a:t>foram</a:t>
+            </a:r>
+            <a:r>
+              <a:rPr dirty="0"/>
+              <a:t> </a:t>
+            </a:r>
+            <a:r>
+              <a:rPr dirty="0" err="1"/>
+              <a:t>utilizados</a:t>
+            </a:r>
+            <a:r>
+              <a:rPr dirty="0"/>
+              <a:t> para </a:t>
+            </a:r>
+            <a:r>
+              <a:rPr dirty="0" err="1"/>
+              <a:t>treinar</a:t>
+            </a:r>
+            <a:r>
+              <a:rPr dirty="0"/>
+              <a:t> o </a:t>
+            </a:r>
+            <a:r>
+              <a:rPr dirty="0" err="1"/>
+              <a:t>modelo</a:t>
+            </a:r>
+            <a:r>
+              <a:rPr dirty="0"/>
+              <a:t> a </a:t>
+            </a:r>
+            <a:r>
+              <a:rPr dirty="0" err="1"/>
+              <a:t>prever</a:t>
+            </a:r>
+            <a:r>
+              <a:rPr dirty="0"/>
+              <a:t> </a:t>
+            </a:r>
+            <a:r>
+              <a:rPr dirty="0" err="1"/>
+              <a:t>os</a:t>
+            </a:r>
+            <a:r>
+              <a:rPr dirty="0"/>
+              <a:t> </a:t>
+            </a:r>
+            <a:r>
+              <a:rPr dirty="0" err="1"/>
+              <a:t>movimentos</a:t>
+            </a:r>
+            <a:r>
+              <a:rPr dirty="0"/>
+              <a:t> com base no </a:t>
+            </a:r>
+            <a:r>
+              <a:rPr dirty="0" err="1"/>
+              <a:t>histórico</a:t>
+            </a:r>
+            <a:r>
+              <a:rPr dirty="0"/>
+              <a:t> das </a:t>
+            </a:r>
+            <a:r>
+              <a:rPr dirty="0" err="1"/>
+              <a:t>partidas</a:t>
+            </a:r>
+            <a:r>
+              <a:rPr dirty="0"/>
+              <a:t>.</a:t>
+            </a:r>
+          </a:p>
+        </p:txBody>
+      </p:sp>
+      <p:sp>
+        <p:nvSpPr>
+          <p:cNvPr id="4" name="Content Placeholder 2">
+            <a:extLst>
+              <a:ext uri="{FF2B5EF4-FFF2-40B4-BE49-F238E27FC236}">
+                <a16:creationId xmlns:a16="http://schemas.microsoft.com/office/drawing/2014/main" id="{8BCB7492-2CEE-F0D2-A6C4-091D8B1E80BC}"/>
+              </a:ext>
+            </a:extLst>
+          </p:cNvPr>
+          <p:cNvSpPr txBox="1">
+            <a:spLocks/>
+          </p:cNvSpPr>
+          <p:nvPr/>
+        </p:nvSpPr>
+        <p:spPr>
+          <a:xfrm>
+            <a:off x="6099048" y="3446263"/>
+            <a:ext cx="2660904" cy="1491497"/>
+          </a:xfrm>
+          <a:prstGeom prst="rect">
+            <a:avLst/>
+          </a:prstGeom>
+        </p:spPr>
+        <p:txBody>
+          <a:bodyPr vert="horz" lIns="91440" tIns="45720" rIns="91440" bIns="45720" rtlCol="0" anchor="ctr">
+            <a:normAutofit/>
+          </a:bodyPr>
+          <a:lstStyle>
+            <a:lvl1pPr marL="285750" indent="-285750" algn="l" defTabSz="457200" rtl="0" eaLnBrk="1" latinLnBrk="0" hangingPunct="1">
+              <a:spcBef>
+                <a:spcPts val="0"/>
+              </a:spcBef>
+              <a:spcAft>
+                <a:spcPts val="1000"/>
+              </a:spcAft>
+              <a:buClr>
+                <a:schemeClr val="tx1"/>
+              </a:buClr>
+              <a:buSzPct val="100000"/>
+              <a:buFont typeface="Arial"/>
+              <a:buChar char="•"/>
+              <a:defRPr sz="1800" kern="1200" cap="none">
+                <a:solidFill>
+                  <a:schemeClr val="tx1"/>
+                </a:solidFill>
+                <a:effectLst/>
+                <a:latin typeface="+mn-lt"/>
+                <a:ea typeface="+mn-ea"/>
+                <a:cs typeface="+mn-cs"/>
+              </a:defRPr>
+            </a:lvl1pPr>
+            <a:lvl2pPr marL="742950" indent="-285750" algn="l" defTabSz="457200" rtl="0" eaLnBrk="1" latinLnBrk="0" hangingPunct="1">
+              <a:spcBef>
+                <a:spcPts val="0"/>
+              </a:spcBef>
+              <a:spcAft>
+                <a:spcPts val="1000"/>
+              </a:spcAft>
+              <a:buClr>
+                <a:schemeClr val="tx1"/>
+              </a:buClr>
+              <a:buSzPct val="100000"/>
+              <a:buFont typeface="Arial"/>
+              <a:buChar char="•"/>
+              <a:defRPr sz="1600" kern="1200" cap="none">
+                <a:solidFill>
+                  <a:schemeClr val="tx1"/>
+                </a:solidFill>
+                <a:effectLst/>
+                <a:latin typeface="+mn-lt"/>
+                <a:ea typeface="+mn-ea"/>
+                <a:cs typeface="+mn-cs"/>
+              </a:defRPr>
+            </a:lvl2pPr>
+            <a:lvl3pPr marL="1200150" indent="-285750" algn="l" defTabSz="457200" rtl="0" eaLnBrk="1" latinLnBrk="0" hangingPunct="1">
+              <a:spcBef>
+                <a:spcPts val="0"/>
+              </a:spcBef>
+              <a:spcAft>
+                <a:spcPts val="1000"/>
+              </a:spcAft>
+              <a:buClr>
+                <a:schemeClr val="tx1"/>
+              </a:buClr>
+              <a:buSzPct val="100000"/>
+              <a:buFont typeface="Arial"/>
+              <a:buChar char="•"/>
+              <a:defRPr sz="1400" kern="1200" cap="none">
+                <a:solidFill>
+                  <a:schemeClr val="tx1"/>
+                </a:solidFill>
+                <a:effectLst/>
+                <a:latin typeface="+mn-lt"/>
+                <a:ea typeface="+mn-ea"/>
+                <a:cs typeface="+mn-cs"/>
+              </a:defRPr>
+            </a:lvl3pPr>
+            <a:lvl4pPr marL="1543050" indent="-171450" algn="l" defTabSz="457200" rtl="0" eaLnBrk="1" latinLnBrk="0" hangingPunct="1">
+              <a:spcBef>
+                <a:spcPts val="0"/>
+              </a:spcBef>
+              <a:spcAft>
+                <a:spcPts val="1000"/>
+              </a:spcAft>
+              <a:buClr>
+                <a:schemeClr val="tx1"/>
+              </a:buClr>
+              <a:buSzPct val="100000"/>
+              <a:buFont typeface="Arial"/>
+              <a:buChar char="•"/>
+              <a:defRPr sz="1200" kern="1200" cap="none">
+                <a:solidFill>
+                  <a:schemeClr val="tx1"/>
+                </a:solidFill>
+                <a:effectLst/>
+                <a:latin typeface="+mn-lt"/>
+                <a:ea typeface="+mn-ea"/>
+                <a:cs typeface="+mn-cs"/>
+              </a:defRPr>
+            </a:lvl4pPr>
+            <a:lvl5pPr marL="2000250" indent="-171450" algn="l" defTabSz="457200" rtl="0" eaLnBrk="1" latinLnBrk="0" hangingPunct="1">
+              <a:spcBef>
+                <a:spcPts val="0"/>
+              </a:spcBef>
+              <a:spcAft>
+                <a:spcPts val="1000"/>
+              </a:spcAft>
+              <a:buClr>
+                <a:schemeClr val="tx1"/>
+              </a:buClr>
+              <a:buSzPct val="100000"/>
+              <a:buFont typeface="Arial"/>
+              <a:buChar char="•"/>
+              <a:defRPr sz="1200" kern="1200" cap="none">
+                <a:solidFill>
+                  <a:schemeClr val="tx1"/>
+                </a:solidFill>
+                <a:effectLst/>
+                <a:latin typeface="+mn-lt"/>
+                <a:ea typeface="+mn-ea"/>
+                <a:cs typeface="+mn-cs"/>
+              </a:defRPr>
+            </a:lvl5pPr>
+            <a:lvl6pPr marL="2514600" indent="-228600" algn="l" defTabSz="457200" rtl="0" eaLnBrk="1" latinLnBrk="0" hangingPunct="1">
+              <a:spcBef>
+                <a:spcPts val="0"/>
+              </a:spcBef>
+              <a:spcAft>
+                <a:spcPts val="1000"/>
+              </a:spcAft>
+              <a:buClr>
+                <a:schemeClr val="tx1"/>
+              </a:buClr>
+              <a:buSzPct val="100000"/>
+              <a:buFont typeface="Arial"/>
+              <a:buChar char="•"/>
+              <a:defRPr sz="1200" kern="1200" cap="none">
+                <a:solidFill>
+                  <a:schemeClr val="tx1"/>
+                </a:solidFill>
+                <a:effectLst/>
+                <a:latin typeface="+mn-lt"/>
+                <a:ea typeface="+mn-ea"/>
+                <a:cs typeface="+mn-cs"/>
+              </a:defRPr>
+            </a:lvl6pPr>
+            <a:lvl7pPr marL="2971800" indent="-228600" algn="l" defTabSz="457200" rtl="0" eaLnBrk="1" latinLnBrk="0" hangingPunct="1">
+              <a:spcBef>
+                <a:spcPts val="0"/>
+              </a:spcBef>
+              <a:spcAft>
+                <a:spcPts val="1000"/>
+              </a:spcAft>
+              <a:buClr>
+                <a:schemeClr val="tx1"/>
+              </a:buClr>
+              <a:buSzPct val="100000"/>
+              <a:buFont typeface="Arial"/>
+              <a:buChar char="•"/>
+              <a:defRPr sz="1200" kern="1200" cap="none">
+                <a:solidFill>
+                  <a:schemeClr val="tx1"/>
+                </a:solidFill>
+                <a:effectLst/>
+                <a:latin typeface="+mn-lt"/>
+                <a:ea typeface="+mn-ea"/>
+                <a:cs typeface="+mn-cs"/>
+              </a:defRPr>
+            </a:lvl7pPr>
+            <a:lvl8pPr marL="3429000" indent="-228600" algn="l" defTabSz="457200" rtl="0" eaLnBrk="1" latinLnBrk="0" hangingPunct="1">
+              <a:spcBef>
+                <a:spcPts val="0"/>
+              </a:spcBef>
+              <a:spcAft>
+                <a:spcPts val="1000"/>
+              </a:spcAft>
+              <a:buClr>
+                <a:schemeClr val="tx1"/>
+              </a:buClr>
+              <a:buSzPct val="100000"/>
+              <a:buFont typeface="Arial"/>
+              <a:buChar char="•"/>
+              <a:defRPr sz="1200" kern="1200" cap="none">
+                <a:solidFill>
+                  <a:schemeClr val="tx1"/>
+                </a:solidFill>
+                <a:effectLst/>
+                <a:latin typeface="+mn-lt"/>
+                <a:ea typeface="+mn-ea"/>
+                <a:cs typeface="+mn-cs"/>
+              </a:defRPr>
+            </a:lvl8pPr>
+            <a:lvl9pPr marL="3886200" indent="-228600" algn="l" defTabSz="457200" rtl="0" eaLnBrk="1" latinLnBrk="0" hangingPunct="1">
+              <a:spcBef>
+                <a:spcPts val="0"/>
+              </a:spcBef>
+              <a:spcAft>
+                <a:spcPts val="1000"/>
+              </a:spcAft>
+              <a:buClr>
+                <a:schemeClr val="tx1"/>
+              </a:buClr>
+              <a:buSzPct val="100000"/>
+              <a:buFont typeface="Arial"/>
+              <a:buChar char="•"/>
+              <a:defRPr sz="1200" kern="1200" cap="none">
+                <a:solidFill>
+                  <a:schemeClr val="tx1"/>
+                </a:solidFill>
+                <a:effectLst/>
+                <a:latin typeface="+mn-lt"/>
+                <a:ea typeface="+mn-ea"/>
+                <a:cs typeface="+mn-cs"/>
+              </a:defRPr>
+            </a:lvl9pPr>
+          </a:lstStyle>
+          <a:p>
+            <a:pPr marL="0" indent="0">
+              <a:buNone/>
+            </a:pPr>
+            <a:r>
+              <a:rPr lang="pt-BR" dirty="0"/>
+              <a:t>A IA é chamada e treinada usando o algoritmo Árvore de Decisão ocorre na função </a:t>
+            </a:r>
+            <a:r>
+              <a:rPr lang="pt-BR" b="1" dirty="0" err="1"/>
+              <a:t>train_model</a:t>
+            </a:r>
+            <a:endParaRPr lang="pt-BR" b="1" dirty="0"/>
+          </a:p>
+        </p:txBody>
+      </p:sp>
+      <p:pic>
+        <p:nvPicPr>
+          <p:cNvPr id="10" name="Imagem 9">
+            <a:extLst>
+              <a:ext uri="{FF2B5EF4-FFF2-40B4-BE49-F238E27FC236}">
+                <a16:creationId xmlns:a16="http://schemas.microsoft.com/office/drawing/2014/main" id="{1905F212-CCB2-F09B-8396-E0D8C2A9C9B7}"/>
+              </a:ext>
+            </a:extLst>
+          </p:cNvPr>
+          <p:cNvPicPr>
+            <a:picLocks noChangeAspect="1"/>
+          </p:cNvPicPr>
+          <p:nvPr/>
+        </p:nvPicPr>
+        <p:blipFill>
+          <a:blip r:embed="rId2"/>
+          <a:stretch>
+            <a:fillRect/>
+          </a:stretch>
+        </p:blipFill>
+        <p:spPr>
+          <a:xfrm>
+            <a:off x="832104" y="2570139"/>
+            <a:ext cx="5154628" cy="4050040"/>
+          </a:xfrm>
+          <a:prstGeom prst="rect">
+            <a:avLst/>
+          </a:prstGeom>
+          <a:ln>
+            <a:noFill/>
+          </a:ln>
+          <a:effectLst>
+            <a:outerShdw blurRad="190500" algn="tl" rotWithShape="0">
+              <a:srgbClr val="000000">
+                <a:alpha val="70000"/>
+              </a:srgbClr>
+            </a:outerShdw>
+          </a:effectLst>
+        </p:spPr>
+      </p:pic>
+    </p:spTree>
+  </p:cSld>
+  <p:clrMapOvr>
+    <a:masterClrMapping/>
+  </p:clrMapOvr>
+</p:sld>
+</file>
+
+<file path=ppt/slides/slide6.xml><?xml version="1.0" encoding="utf-8"?>
+<p:sld xmlns:a="http://schemas.openxmlformats.org/drawingml/2006/main" xmlns:r="http://schemas.openxmlformats.org/officeDocument/2006/relationships" xmlns:p="http://schemas.openxmlformats.org/presentationml/2006/main">
+  <p:cSld>
+    <p:bg>
+      <p:bgPr>
+        <a:blipFill>
+          <a:blip r:embed="rId2"/>
+          <a:stretch/>
+        </a:blipFill>
+        <a:effectLst/>
+      </p:bgPr>
+    </p:bg>
+    <p:spTree>
+      <p:nvGrpSpPr>
+        <p:cNvPr id="1" name=""/>
+        <p:cNvGrpSpPr/>
+        <p:nvPr/>
+      </p:nvGrpSpPr>
+      <p:grpSpPr>
+        <a:xfrm>
+          <a:off x="0" y="0"/>
+          <a:ext cx="0" cy="0"/>
+          <a:chOff x="0" y="0"/>
+          <a:chExt cx="0" cy="0"/>
+        </a:xfrm>
+      </p:grpSpPr>
+      <p:sp>
+        <p:nvSpPr>
+          <p:cNvPr id="2" name="Title 1"/>
+          <p:cNvSpPr>
+            <a:spLocks noGrp="1"/>
+          </p:cNvSpPr>
+          <p:nvPr>
+            <p:ph type="title"/>
+          </p:nvPr>
+        </p:nvSpPr>
+        <p:spPr>
+          <a:xfrm>
+            <a:off x="601632" y="433151"/>
+            <a:ext cx="5168231" cy="1453363"/>
+          </a:xfrm>
+        </p:spPr>
+        <p:txBody>
+          <a:bodyPr vert="horz" lIns="91440" tIns="45720" rIns="91440" bIns="45720" rtlCol="0" anchor="ctr">
+            <a:normAutofit/>
+          </a:bodyPr>
+          <a:lstStyle/>
+          <a:p>
+            <a:pPr algn="ctr">
+              <a:lnSpc>
+                <a:spcPct val="90000"/>
+              </a:lnSpc>
+            </a:pPr>
+            <a:r>
+              <a:rPr lang="en-US" sz="3100" b="1" dirty="0" err="1"/>
+              <a:t>Algoritmos</a:t>
+            </a:r>
+            <a:r>
+              <a:rPr lang="en-US" sz="3100" b="1" dirty="0"/>
+              <a:t> de </a:t>
+            </a:r>
+            <a:r>
+              <a:rPr lang="en-US" sz="3100" b="1" dirty="0" err="1"/>
+              <a:t>Aprendizado</a:t>
+            </a:r>
+            <a:r>
+              <a:rPr lang="en-US" sz="3100" b="1" dirty="0"/>
+              <a:t> de </a:t>
+            </a:r>
+            <a:r>
+              <a:rPr lang="en-US" sz="3100" b="1" dirty="0" err="1"/>
+              <a:t>Máquina</a:t>
+            </a:r>
+            <a:endParaRPr lang="en-US" sz="3100" b="1" dirty="0"/>
+          </a:p>
+        </p:txBody>
+      </p:sp>
+      <p:sp>
+        <p:nvSpPr>
+          <p:cNvPr id="4" name="Content Placeholder 2">
+            <a:extLst>
+              <a:ext uri="{FF2B5EF4-FFF2-40B4-BE49-F238E27FC236}">
+                <a16:creationId xmlns:a16="http://schemas.microsoft.com/office/drawing/2014/main" id="{8BCB7492-2CEE-F0D2-A6C4-091D8B1E80BC}"/>
+              </a:ext>
+            </a:extLst>
+          </p:cNvPr>
+          <p:cNvSpPr txBox="1">
+            <a:spLocks/>
+          </p:cNvSpPr>
+          <p:nvPr/>
+        </p:nvSpPr>
+        <p:spPr>
+          <a:xfrm>
+            <a:off x="601633" y="2261420"/>
+            <a:ext cx="3002202" cy="3637935"/>
+          </a:xfrm>
+          <a:prstGeom prst="rect">
+            <a:avLst/>
+          </a:prstGeom>
+        </p:spPr>
+        <p:txBody>
+          <a:bodyPr vert="horz" lIns="91440" tIns="45720" rIns="91440" bIns="45720" rtlCol="0" anchor="ctr">
+            <a:normAutofit/>
+          </a:bodyPr>
+          <a:lstStyle>
+            <a:lvl1pPr marL="285750" indent="-285750" algn="l" defTabSz="457200" rtl="0" eaLnBrk="1" latinLnBrk="0" hangingPunct="1">
+              <a:spcBef>
+                <a:spcPts val="0"/>
+              </a:spcBef>
+              <a:spcAft>
+                <a:spcPts val="1000"/>
+              </a:spcAft>
+              <a:buClr>
+                <a:schemeClr val="tx1"/>
+              </a:buClr>
+              <a:buSzPct val="100000"/>
+              <a:buFont typeface="Arial"/>
+              <a:buChar char="•"/>
+              <a:defRPr sz="1800" kern="1200" cap="none">
+                <a:solidFill>
+                  <a:schemeClr val="tx1"/>
+                </a:solidFill>
+                <a:effectLst/>
+                <a:latin typeface="+mn-lt"/>
+                <a:ea typeface="+mn-ea"/>
+                <a:cs typeface="+mn-cs"/>
+              </a:defRPr>
+            </a:lvl1pPr>
+            <a:lvl2pPr marL="742950" indent="-285750" algn="l" defTabSz="457200" rtl="0" eaLnBrk="1" latinLnBrk="0" hangingPunct="1">
+              <a:spcBef>
+                <a:spcPts val="0"/>
+              </a:spcBef>
+              <a:spcAft>
+                <a:spcPts val="1000"/>
+              </a:spcAft>
+              <a:buClr>
+                <a:schemeClr val="tx1"/>
+              </a:buClr>
+              <a:buSzPct val="100000"/>
+              <a:buFont typeface="Arial"/>
+              <a:buChar char="•"/>
+              <a:defRPr sz="1600" kern="1200" cap="none">
+                <a:solidFill>
+                  <a:schemeClr val="tx1"/>
+                </a:solidFill>
+                <a:effectLst/>
+                <a:latin typeface="+mn-lt"/>
+                <a:ea typeface="+mn-ea"/>
+                <a:cs typeface="+mn-cs"/>
+              </a:defRPr>
+            </a:lvl2pPr>
+            <a:lvl3pPr marL="1200150" indent="-285750" algn="l" defTabSz="457200" rtl="0" eaLnBrk="1" latinLnBrk="0" hangingPunct="1">
+              <a:spcBef>
+                <a:spcPts val="0"/>
+              </a:spcBef>
+              <a:spcAft>
+                <a:spcPts val="1000"/>
+              </a:spcAft>
+              <a:buClr>
+                <a:schemeClr val="tx1"/>
+              </a:buClr>
+              <a:buSzPct val="100000"/>
+              <a:buFont typeface="Arial"/>
+              <a:buChar char="•"/>
+              <a:defRPr sz="1400" kern="1200" cap="none">
+                <a:solidFill>
+                  <a:schemeClr val="tx1"/>
+                </a:solidFill>
+                <a:effectLst/>
+                <a:latin typeface="+mn-lt"/>
+                <a:ea typeface="+mn-ea"/>
+                <a:cs typeface="+mn-cs"/>
+              </a:defRPr>
+            </a:lvl3pPr>
+            <a:lvl4pPr marL="1543050" indent="-171450" algn="l" defTabSz="457200" rtl="0" eaLnBrk="1" latinLnBrk="0" hangingPunct="1">
+              <a:spcBef>
+                <a:spcPts val="0"/>
+              </a:spcBef>
+              <a:spcAft>
+                <a:spcPts val="1000"/>
+              </a:spcAft>
+              <a:buClr>
+                <a:schemeClr val="tx1"/>
+              </a:buClr>
+              <a:buSzPct val="100000"/>
+              <a:buFont typeface="Arial"/>
+              <a:buChar char="•"/>
+              <a:defRPr sz="1200" kern="1200" cap="none">
+                <a:solidFill>
+                  <a:schemeClr val="tx1"/>
+                </a:solidFill>
+                <a:effectLst/>
+                <a:latin typeface="+mn-lt"/>
+                <a:ea typeface="+mn-ea"/>
+                <a:cs typeface="+mn-cs"/>
+              </a:defRPr>
+            </a:lvl4pPr>
+            <a:lvl5pPr marL="2000250" indent="-171450" algn="l" defTabSz="457200" rtl="0" eaLnBrk="1" latinLnBrk="0" hangingPunct="1">
+              <a:spcBef>
+                <a:spcPts val="0"/>
+              </a:spcBef>
+              <a:spcAft>
+                <a:spcPts val="1000"/>
+              </a:spcAft>
+              <a:buClr>
+                <a:schemeClr val="tx1"/>
+              </a:buClr>
+              <a:buSzPct val="100000"/>
+              <a:buFont typeface="Arial"/>
+              <a:buChar char="•"/>
+              <a:defRPr sz="1200" kern="1200" cap="none">
+                <a:solidFill>
+                  <a:schemeClr val="tx1"/>
+                </a:solidFill>
+                <a:effectLst/>
+                <a:latin typeface="+mn-lt"/>
+                <a:ea typeface="+mn-ea"/>
+                <a:cs typeface="+mn-cs"/>
+              </a:defRPr>
+            </a:lvl5pPr>
+            <a:lvl6pPr marL="2514600" indent="-228600" algn="l" defTabSz="457200" rtl="0" eaLnBrk="1" latinLnBrk="0" hangingPunct="1">
+              <a:spcBef>
+                <a:spcPts val="0"/>
+              </a:spcBef>
+              <a:spcAft>
+                <a:spcPts val="1000"/>
+              </a:spcAft>
+              <a:buClr>
+                <a:schemeClr val="tx1"/>
+              </a:buClr>
+              <a:buSzPct val="100000"/>
+              <a:buFont typeface="Arial"/>
+              <a:buChar char="•"/>
+              <a:defRPr sz="1200" kern="1200" cap="none">
+                <a:solidFill>
+                  <a:schemeClr val="tx1"/>
+                </a:solidFill>
+                <a:effectLst/>
+                <a:latin typeface="+mn-lt"/>
+                <a:ea typeface="+mn-ea"/>
+                <a:cs typeface="+mn-cs"/>
+              </a:defRPr>
+            </a:lvl6pPr>
+            <a:lvl7pPr marL="2971800" indent="-228600" algn="l" defTabSz="457200" rtl="0" eaLnBrk="1" latinLnBrk="0" hangingPunct="1">
+              <a:spcBef>
+                <a:spcPts val="0"/>
+              </a:spcBef>
+              <a:spcAft>
+                <a:spcPts val="1000"/>
+              </a:spcAft>
+              <a:buClr>
+                <a:schemeClr val="tx1"/>
+              </a:buClr>
+              <a:buSzPct val="100000"/>
+              <a:buFont typeface="Arial"/>
+              <a:buChar char="•"/>
+              <a:defRPr sz="1200" kern="1200" cap="none">
+                <a:solidFill>
+                  <a:schemeClr val="tx1"/>
+                </a:solidFill>
+                <a:effectLst/>
+                <a:latin typeface="+mn-lt"/>
+                <a:ea typeface="+mn-ea"/>
+                <a:cs typeface="+mn-cs"/>
+              </a:defRPr>
+            </a:lvl7pPr>
+            <a:lvl8pPr marL="3429000" indent="-228600" algn="l" defTabSz="457200" rtl="0" eaLnBrk="1" latinLnBrk="0" hangingPunct="1">
+              <a:spcBef>
+                <a:spcPts val="0"/>
+              </a:spcBef>
+              <a:spcAft>
+                <a:spcPts val="1000"/>
+              </a:spcAft>
+              <a:buClr>
+                <a:schemeClr val="tx1"/>
+              </a:buClr>
+              <a:buSzPct val="100000"/>
+              <a:buFont typeface="Arial"/>
+              <a:buChar char="•"/>
+              <a:defRPr sz="1200" kern="1200" cap="none">
+                <a:solidFill>
+                  <a:schemeClr val="tx1"/>
+                </a:solidFill>
+                <a:effectLst/>
+                <a:latin typeface="+mn-lt"/>
+                <a:ea typeface="+mn-ea"/>
+                <a:cs typeface="+mn-cs"/>
+              </a:defRPr>
+            </a:lvl8pPr>
+            <a:lvl9pPr marL="3886200" indent="-228600" algn="l" defTabSz="457200" rtl="0" eaLnBrk="1" latinLnBrk="0" hangingPunct="1">
+              <a:spcBef>
+                <a:spcPts val="0"/>
+              </a:spcBef>
+              <a:spcAft>
+                <a:spcPts val="1000"/>
+              </a:spcAft>
+              <a:buClr>
+                <a:schemeClr val="tx1"/>
+              </a:buClr>
+              <a:buSzPct val="100000"/>
+              <a:buFont typeface="Arial"/>
+              <a:buChar char="•"/>
+              <a:defRPr sz="1200" kern="1200" cap="none">
+                <a:solidFill>
+                  <a:schemeClr val="tx1"/>
+                </a:solidFill>
+                <a:effectLst/>
+                <a:latin typeface="+mn-lt"/>
+                <a:ea typeface="+mn-ea"/>
+                <a:cs typeface="+mn-cs"/>
+              </a:defRPr>
+            </a:lvl9pPr>
+          </a:lstStyle>
+          <a:p>
+            <a:pPr marL="0" indent="0"/>
+            <a:r>
+              <a:rPr lang="en-US" dirty="0"/>
+              <a:t> A </a:t>
+            </a:r>
+            <a:r>
+              <a:rPr lang="en-US" dirty="0" err="1"/>
+              <a:t>função</a:t>
+            </a:r>
+            <a:r>
+              <a:rPr lang="en-US" dirty="0"/>
+              <a:t> </a:t>
+            </a:r>
+            <a:r>
+              <a:rPr lang="en-US" b="1" dirty="0" err="1"/>
+              <a:t>collect_data</a:t>
+            </a:r>
+            <a:r>
+              <a:rPr lang="en-US" b="1" dirty="0"/>
+              <a:t> </a:t>
+            </a:r>
+            <a:r>
+              <a:rPr lang="en-US" dirty="0" err="1"/>
+              <a:t>recebe</a:t>
+            </a:r>
+            <a:r>
+              <a:rPr lang="en-US" dirty="0"/>
+              <a:t> </a:t>
+            </a:r>
+            <a:r>
+              <a:rPr lang="en-US" dirty="0" err="1"/>
+              <a:t>os</a:t>
+            </a:r>
+            <a:r>
+              <a:rPr lang="en-US" dirty="0"/>
+              <a:t> dados de </a:t>
+            </a:r>
+            <a:r>
+              <a:rPr lang="en-US" dirty="0" err="1"/>
+              <a:t>jogo</a:t>
+            </a:r>
+            <a:r>
+              <a:rPr lang="en-US" dirty="0"/>
+              <a:t> (</a:t>
+            </a:r>
+            <a:r>
+              <a:rPr lang="en-US" b="1" dirty="0" err="1"/>
+              <a:t>game_data</a:t>
+            </a:r>
+            <a:r>
+              <a:rPr lang="en-US" dirty="0"/>
+              <a:t>) e </a:t>
+            </a:r>
+            <a:r>
+              <a:rPr lang="en-US" dirty="0" err="1"/>
+              <a:t>converte</a:t>
+            </a:r>
+            <a:r>
+              <a:rPr lang="en-US" dirty="0"/>
+              <a:t> o </a:t>
+            </a:r>
+            <a:r>
+              <a:rPr lang="en-US" dirty="0" err="1"/>
+              <a:t>estado</a:t>
+            </a:r>
+            <a:r>
+              <a:rPr lang="en-US" dirty="0"/>
+              <a:t> do </a:t>
+            </a:r>
+            <a:r>
+              <a:rPr lang="en-US" dirty="0" err="1"/>
+              <a:t>tabuleiro</a:t>
+            </a:r>
+            <a:r>
+              <a:rPr lang="en-US" dirty="0"/>
+              <a:t> (com a </a:t>
+            </a:r>
+            <a:r>
+              <a:rPr lang="en-US" dirty="0" err="1"/>
+              <a:t>função</a:t>
+            </a:r>
+            <a:r>
+              <a:rPr lang="en-US" dirty="0"/>
+              <a:t> </a:t>
+            </a:r>
+            <a:r>
+              <a:rPr lang="en-US" b="1" dirty="0" err="1"/>
+              <a:t>board_to_features</a:t>
+            </a:r>
+            <a:r>
+              <a:rPr lang="en-US" dirty="0"/>
+              <a:t>) </a:t>
+            </a:r>
+            <a:r>
+              <a:rPr lang="en-US" dirty="0" err="1"/>
+              <a:t>em</a:t>
+            </a:r>
+            <a:r>
+              <a:rPr lang="en-US" dirty="0"/>
+              <a:t> um </a:t>
+            </a:r>
+            <a:r>
+              <a:rPr lang="en-US" dirty="0" err="1"/>
+              <a:t>formato</a:t>
+            </a:r>
+            <a:r>
+              <a:rPr lang="en-US" dirty="0"/>
+              <a:t> </a:t>
+            </a:r>
+            <a:r>
+              <a:rPr lang="en-US" dirty="0" err="1"/>
+              <a:t>numérico</a:t>
+            </a:r>
+            <a:r>
+              <a:rPr lang="en-US" dirty="0"/>
+              <a:t> (1 para 'X', -1 para 'O' e 0 para </a:t>
+            </a:r>
+            <a:r>
+              <a:rPr lang="en-US" dirty="0" err="1"/>
+              <a:t>posições</a:t>
+            </a:r>
+            <a:r>
+              <a:rPr lang="en-US" dirty="0"/>
+              <a:t> </a:t>
+            </a:r>
+            <a:r>
+              <a:rPr lang="en-US" dirty="0" err="1"/>
+              <a:t>vazias</a:t>
+            </a:r>
+            <a:r>
+              <a:rPr lang="en-US" dirty="0"/>
+              <a:t>).</a:t>
+            </a:r>
+          </a:p>
+          <a:p>
+            <a:pPr marL="0" indent="0"/>
+            <a:r>
+              <a:rPr lang="en-US" dirty="0"/>
+              <a:t> O </a:t>
+            </a:r>
+            <a:r>
+              <a:rPr lang="en-US" dirty="0" err="1"/>
+              <a:t>estado</a:t>
+            </a:r>
+            <a:r>
+              <a:rPr lang="en-US" dirty="0"/>
+              <a:t> do </a:t>
+            </a:r>
+            <a:r>
+              <a:rPr lang="en-US" dirty="0" err="1"/>
+              <a:t>tabuleiro</a:t>
+            </a:r>
+            <a:r>
+              <a:rPr lang="en-US" dirty="0"/>
+              <a:t> e o </a:t>
+            </a:r>
+            <a:r>
+              <a:rPr lang="en-US" dirty="0" err="1"/>
+              <a:t>movimento</a:t>
+            </a:r>
+            <a:r>
+              <a:rPr lang="en-US" dirty="0"/>
+              <a:t> </a:t>
+            </a:r>
+            <a:r>
+              <a:rPr lang="en-US" dirty="0" err="1"/>
+              <a:t>correspondente</a:t>
+            </a:r>
+            <a:r>
+              <a:rPr lang="en-US" dirty="0"/>
+              <a:t> </a:t>
+            </a:r>
+            <a:r>
+              <a:rPr lang="en-US" dirty="0" err="1"/>
+              <a:t>são</a:t>
+            </a:r>
+            <a:r>
+              <a:rPr lang="en-US" dirty="0"/>
+              <a:t> </a:t>
+            </a:r>
+            <a:r>
+              <a:rPr lang="en-US" dirty="0" err="1"/>
+              <a:t>armazenados</a:t>
+            </a:r>
+            <a:r>
+              <a:rPr lang="en-US" dirty="0"/>
+              <a:t> </a:t>
+            </a:r>
+            <a:r>
+              <a:rPr lang="en-US" dirty="0" err="1"/>
+              <a:t>em</a:t>
+            </a:r>
+            <a:r>
+              <a:rPr lang="en-US" dirty="0"/>
+              <a:t> </a:t>
+            </a:r>
+            <a:r>
+              <a:rPr lang="en-US" b="1" dirty="0" err="1"/>
+              <a:t>self.data</a:t>
+            </a:r>
+            <a:r>
+              <a:rPr lang="en-US" dirty="0"/>
+              <a:t>.</a:t>
+            </a:r>
+          </a:p>
+        </p:txBody>
+      </p:sp>
+      <p:pic>
+        <p:nvPicPr>
+          <p:cNvPr id="8" name="Imagem 7">
+            <a:extLst>
+              <a:ext uri="{FF2B5EF4-FFF2-40B4-BE49-F238E27FC236}">
+                <a16:creationId xmlns:a16="http://schemas.microsoft.com/office/drawing/2014/main" id="{D77D8A55-9CBE-AD7F-B0D5-C1AC352ECF14}"/>
+              </a:ext>
+            </a:extLst>
+          </p:cNvPr>
+          <p:cNvPicPr>
+            <a:picLocks noChangeAspect="1"/>
+          </p:cNvPicPr>
+          <p:nvPr/>
+        </p:nvPicPr>
+        <p:blipFill>
+          <a:blip r:embed="rId3"/>
+          <a:stretch>
+            <a:fillRect/>
+          </a:stretch>
+        </p:blipFill>
+        <p:spPr>
+          <a:xfrm>
+            <a:off x="3967314" y="2307824"/>
+            <a:ext cx="4571694" cy="2080120"/>
           </a:xfrm>
           <a:prstGeom prst="roundRect">
             <a:avLst>
@@ -6978,6 +9878,11 @@
         </p:spPr>
       </p:pic>
     </p:spTree>
+    <p:extLst>
+      <p:ext uri="{BB962C8B-B14F-4D97-AF65-F5344CB8AC3E}">
+        <p14:creationId xmlns:p14="http://schemas.microsoft.com/office/powerpoint/2010/main" val="2945251550"/>
+      </p:ext>
+    </p:extLst>
   </p:cSld>
   <p:clrMapOvr>
     <a:masterClrMapping/>
@@ -6985,9 +9890,18 @@
 </p:sld>
 </file>
 
-<file path=ppt/slides/slide4.xml><?xml version="1.0" encoding="utf-8"?>
+<file path=ppt/slides/slide7.xml><?xml version="1.0" encoding="utf-8"?>
 <p:sld xmlns:a="http://schemas.openxmlformats.org/drawingml/2006/main" xmlns:r="http://schemas.openxmlformats.org/officeDocument/2006/relationships" xmlns:p="http://schemas.openxmlformats.org/presentationml/2006/main">
   <p:cSld>
+    <p:bg>
+      <p:bgPr>
+        <a:blipFill>
+          <a:blip r:embed="rId2"/>
+          <a:stretch/>
+        </a:blipFill>
+        <a:effectLst/>
+      </p:bgPr>
+    </p:bg>
     <p:spTree>
       <p:nvGrpSpPr>
         <p:cNvPr id="1" name=""/>
@@ -7012,239 +9926,711 @@
             <p:ph type="title"/>
           </p:nvPr>
         </p:nvSpPr>
-        <p:spPr/>
-        <p:txBody>
-          <a:bodyPr/>
+        <p:spPr>
+          <a:xfrm>
+            <a:off x="536435" y="5129784"/>
+            <a:ext cx="3860797" cy="1419483"/>
+          </a:xfrm>
+        </p:spPr>
+        <p:txBody>
+          <a:bodyPr vert="horz" lIns="91440" tIns="45720" rIns="91440" bIns="45720" rtlCol="0" anchor="ctr">
+            <a:normAutofit fontScale="90000"/>
+          </a:bodyPr>
           <a:lstStyle/>
           <a:p>
-            <a:r>
-              <a:rPr dirty="0" err="1"/>
+            <a:pPr algn="ctr">
+              <a:lnSpc>
+                <a:spcPct val="90000"/>
+              </a:lnSpc>
+            </a:pPr>
+            <a:r>
+              <a:rPr lang="en-US" sz="3600" b="1" dirty="0" err="1"/>
               <a:t>Algoritmos</a:t>
             </a:r>
             <a:r>
-              <a:rPr dirty="0"/>
+              <a:rPr lang="en-US" sz="3600" b="1" dirty="0"/>
               <a:t> de </a:t>
             </a:r>
             <a:r>
+              <a:rPr lang="en-US" sz="3600" b="1" dirty="0" err="1"/>
               <a:t>Aprendizado</a:t>
             </a:r>
             <a:r>
-              <a:rPr dirty="0"/>
+              <a:rPr lang="en-US" sz="3600" b="1" dirty="0"/>
               <a:t> de </a:t>
             </a:r>
             <a:r>
-              <a:rPr dirty="0" err="1"/>
+              <a:rPr lang="en-US" sz="3600" b="1" dirty="0" err="1"/>
               <a:t>Máquina</a:t>
             </a:r>
-            <a:endParaRPr dirty="0"/>
-          </a:p>
-        </p:txBody>
-      </p:sp>
-      <p:sp>
-        <p:nvSpPr>
-          <p:cNvPr id="3" name="Content Placeholder 2"/>
-          <p:cNvSpPr>
-            <a:spLocks noGrp="1"/>
-          </p:cNvSpPr>
-          <p:nvPr>
-            <p:ph idx="1"/>
-          </p:nvPr>
-        </p:nvSpPr>
-        <p:spPr/>
-        <p:txBody>
-          <a:bodyPr/>
-          <a:lstStyle/>
-          <a:p>
-            <a:r>
-              <a:rPr dirty="0"/>
+            <a:endParaRPr lang="en-US" sz="3600" b="1" dirty="0"/>
+          </a:p>
+        </p:txBody>
+      </p:sp>
+      <p:sp>
+        <p:nvSpPr>
+          <p:cNvPr id="4" name="Content Placeholder 2">
+            <a:extLst>
+              <a:ext uri="{FF2B5EF4-FFF2-40B4-BE49-F238E27FC236}">
+                <a16:creationId xmlns:a16="http://schemas.microsoft.com/office/drawing/2014/main" id="{8BCB7492-2CEE-F0D2-A6C4-091D8B1E80BC}"/>
+              </a:ext>
+            </a:extLst>
+          </p:cNvPr>
+          <p:cNvSpPr txBox="1">
+            <a:spLocks/>
+          </p:cNvSpPr>
+          <p:nvPr/>
+        </p:nvSpPr>
+        <p:spPr>
+          <a:xfrm>
+            <a:off x="4800600" y="274321"/>
+            <a:ext cx="3860797" cy="6172199"/>
+          </a:xfrm>
+          <a:prstGeom prst="rect">
+            <a:avLst/>
+          </a:prstGeom>
+        </p:spPr>
+        <p:txBody>
+          <a:bodyPr vert="horz" lIns="91440" tIns="45720" rIns="91440" bIns="45720" rtlCol="0" anchor="ctr">
+            <a:normAutofit/>
+          </a:bodyPr>
+          <a:lstStyle>
+            <a:lvl1pPr marL="285750" indent="-285750" algn="l" defTabSz="457200" rtl="0" eaLnBrk="1" latinLnBrk="0" hangingPunct="1">
+              <a:spcBef>
+                <a:spcPts val="0"/>
+              </a:spcBef>
+              <a:spcAft>
+                <a:spcPts val="1000"/>
+              </a:spcAft>
+              <a:buClr>
+                <a:schemeClr val="tx1"/>
+              </a:buClr>
+              <a:buSzPct val="100000"/>
+              <a:buFont typeface="Arial"/>
+              <a:buChar char="•"/>
+              <a:defRPr sz="1800" kern="1200" cap="none">
+                <a:solidFill>
+                  <a:schemeClr val="tx1"/>
+                </a:solidFill>
+                <a:effectLst/>
+                <a:latin typeface="+mn-lt"/>
+                <a:ea typeface="+mn-ea"/>
+                <a:cs typeface="+mn-cs"/>
+              </a:defRPr>
+            </a:lvl1pPr>
+            <a:lvl2pPr marL="742950" indent="-285750" algn="l" defTabSz="457200" rtl="0" eaLnBrk="1" latinLnBrk="0" hangingPunct="1">
+              <a:spcBef>
+                <a:spcPts val="0"/>
+              </a:spcBef>
+              <a:spcAft>
+                <a:spcPts val="1000"/>
+              </a:spcAft>
+              <a:buClr>
+                <a:schemeClr val="tx1"/>
+              </a:buClr>
+              <a:buSzPct val="100000"/>
+              <a:buFont typeface="Arial"/>
+              <a:buChar char="•"/>
+              <a:defRPr sz="1600" kern="1200" cap="none">
+                <a:solidFill>
+                  <a:schemeClr val="tx1"/>
+                </a:solidFill>
+                <a:effectLst/>
+                <a:latin typeface="+mn-lt"/>
+                <a:ea typeface="+mn-ea"/>
+                <a:cs typeface="+mn-cs"/>
+              </a:defRPr>
+            </a:lvl2pPr>
+            <a:lvl3pPr marL="1200150" indent="-285750" algn="l" defTabSz="457200" rtl="0" eaLnBrk="1" latinLnBrk="0" hangingPunct="1">
+              <a:spcBef>
+                <a:spcPts val="0"/>
+              </a:spcBef>
+              <a:spcAft>
+                <a:spcPts val="1000"/>
+              </a:spcAft>
+              <a:buClr>
+                <a:schemeClr val="tx1"/>
+              </a:buClr>
+              <a:buSzPct val="100000"/>
+              <a:buFont typeface="Arial"/>
+              <a:buChar char="•"/>
+              <a:defRPr sz="1400" kern="1200" cap="none">
+                <a:solidFill>
+                  <a:schemeClr val="tx1"/>
+                </a:solidFill>
+                <a:effectLst/>
+                <a:latin typeface="+mn-lt"/>
+                <a:ea typeface="+mn-ea"/>
+                <a:cs typeface="+mn-cs"/>
+              </a:defRPr>
+            </a:lvl3pPr>
+            <a:lvl4pPr marL="1543050" indent="-171450" algn="l" defTabSz="457200" rtl="0" eaLnBrk="1" latinLnBrk="0" hangingPunct="1">
+              <a:spcBef>
+                <a:spcPts val="0"/>
+              </a:spcBef>
+              <a:spcAft>
+                <a:spcPts val="1000"/>
+              </a:spcAft>
+              <a:buClr>
+                <a:schemeClr val="tx1"/>
+              </a:buClr>
+              <a:buSzPct val="100000"/>
+              <a:buFont typeface="Arial"/>
+              <a:buChar char="•"/>
+              <a:defRPr sz="1200" kern="1200" cap="none">
+                <a:solidFill>
+                  <a:schemeClr val="tx1"/>
+                </a:solidFill>
+                <a:effectLst/>
+                <a:latin typeface="+mn-lt"/>
+                <a:ea typeface="+mn-ea"/>
+                <a:cs typeface="+mn-cs"/>
+              </a:defRPr>
+            </a:lvl4pPr>
+            <a:lvl5pPr marL="2000250" indent="-171450" algn="l" defTabSz="457200" rtl="0" eaLnBrk="1" latinLnBrk="0" hangingPunct="1">
+              <a:spcBef>
+                <a:spcPts val="0"/>
+              </a:spcBef>
+              <a:spcAft>
+                <a:spcPts val="1000"/>
+              </a:spcAft>
+              <a:buClr>
+                <a:schemeClr val="tx1"/>
+              </a:buClr>
+              <a:buSzPct val="100000"/>
+              <a:buFont typeface="Arial"/>
+              <a:buChar char="•"/>
+              <a:defRPr sz="1200" kern="1200" cap="none">
+                <a:solidFill>
+                  <a:schemeClr val="tx1"/>
+                </a:solidFill>
+                <a:effectLst/>
+                <a:latin typeface="+mn-lt"/>
+                <a:ea typeface="+mn-ea"/>
+                <a:cs typeface="+mn-cs"/>
+              </a:defRPr>
+            </a:lvl5pPr>
+            <a:lvl6pPr marL="2514600" indent="-228600" algn="l" defTabSz="457200" rtl="0" eaLnBrk="1" latinLnBrk="0" hangingPunct="1">
+              <a:spcBef>
+                <a:spcPts val="0"/>
+              </a:spcBef>
+              <a:spcAft>
+                <a:spcPts val="1000"/>
+              </a:spcAft>
+              <a:buClr>
+                <a:schemeClr val="tx1"/>
+              </a:buClr>
+              <a:buSzPct val="100000"/>
+              <a:buFont typeface="Arial"/>
+              <a:buChar char="•"/>
+              <a:defRPr sz="1200" kern="1200" cap="none">
+                <a:solidFill>
+                  <a:schemeClr val="tx1"/>
+                </a:solidFill>
+                <a:effectLst/>
+                <a:latin typeface="+mn-lt"/>
+                <a:ea typeface="+mn-ea"/>
+                <a:cs typeface="+mn-cs"/>
+              </a:defRPr>
+            </a:lvl6pPr>
+            <a:lvl7pPr marL="2971800" indent="-228600" algn="l" defTabSz="457200" rtl="0" eaLnBrk="1" latinLnBrk="0" hangingPunct="1">
+              <a:spcBef>
+                <a:spcPts val="0"/>
+              </a:spcBef>
+              <a:spcAft>
+                <a:spcPts val="1000"/>
+              </a:spcAft>
+              <a:buClr>
+                <a:schemeClr val="tx1"/>
+              </a:buClr>
+              <a:buSzPct val="100000"/>
+              <a:buFont typeface="Arial"/>
+              <a:buChar char="•"/>
+              <a:defRPr sz="1200" kern="1200" cap="none">
+                <a:solidFill>
+                  <a:schemeClr val="tx1"/>
+                </a:solidFill>
+                <a:effectLst/>
+                <a:latin typeface="+mn-lt"/>
+                <a:ea typeface="+mn-ea"/>
+                <a:cs typeface="+mn-cs"/>
+              </a:defRPr>
+            </a:lvl7pPr>
+            <a:lvl8pPr marL="3429000" indent="-228600" algn="l" defTabSz="457200" rtl="0" eaLnBrk="1" latinLnBrk="0" hangingPunct="1">
+              <a:spcBef>
+                <a:spcPts val="0"/>
+              </a:spcBef>
+              <a:spcAft>
+                <a:spcPts val="1000"/>
+              </a:spcAft>
+              <a:buClr>
+                <a:schemeClr val="tx1"/>
+              </a:buClr>
+              <a:buSzPct val="100000"/>
+              <a:buFont typeface="Arial"/>
+              <a:buChar char="•"/>
+              <a:defRPr sz="1200" kern="1200" cap="none">
+                <a:solidFill>
+                  <a:schemeClr val="tx1"/>
+                </a:solidFill>
+                <a:effectLst/>
+                <a:latin typeface="+mn-lt"/>
+                <a:ea typeface="+mn-ea"/>
+                <a:cs typeface="+mn-cs"/>
+              </a:defRPr>
+            </a:lvl8pPr>
+            <a:lvl9pPr marL="3886200" indent="-228600" algn="l" defTabSz="457200" rtl="0" eaLnBrk="1" latinLnBrk="0" hangingPunct="1">
+              <a:spcBef>
+                <a:spcPts val="0"/>
+              </a:spcBef>
+              <a:spcAft>
+                <a:spcPts val="1000"/>
+              </a:spcAft>
+              <a:buClr>
+                <a:schemeClr val="tx1"/>
+              </a:buClr>
+              <a:buSzPct val="100000"/>
+              <a:buFont typeface="Arial"/>
+              <a:buChar char="•"/>
+              <a:defRPr sz="1200" kern="1200" cap="none">
+                <a:solidFill>
+                  <a:schemeClr val="tx1"/>
+                </a:solidFill>
+                <a:effectLst/>
+                <a:latin typeface="+mn-lt"/>
+                <a:ea typeface="+mn-ea"/>
+                <a:cs typeface="+mn-cs"/>
+              </a:defRPr>
+            </a:lvl9pPr>
+          </a:lstStyle>
+          <a:p>
+            <a:pPr marL="0" indent="0">
+              <a:lnSpc>
+                <a:spcPct val="90000"/>
+              </a:lnSpc>
+            </a:pPr>
+            <a:r>
+              <a:rPr lang="en-US" sz="1600" dirty="0"/>
+              <a:t> A </a:t>
+            </a:r>
+            <a:r>
+              <a:rPr lang="en-US" sz="1600" dirty="0" err="1"/>
+              <a:t>função</a:t>
+            </a:r>
+            <a:r>
+              <a:rPr lang="en-US" sz="1600" dirty="0"/>
+              <a:t> </a:t>
+            </a:r>
+            <a:r>
+              <a:rPr lang="en-US" sz="1600" b="1" dirty="0" err="1"/>
+              <a:t>train_model</a:t>
+            </a:r>
+            <a:r>
+              <a:rPr lang="en-US" sz="1600" b="1" dirty="0"/>
+              <a:t> </a:t>
+            </a:r>
+            <a:r>
+              <a:rPr lang="en-US" sz="1600" dirty="0"/>
+              <a:t>é </a:t>
+            </a:r>
+            <a:r>
+              <a:rPr lang="en-US" sz="1600" dirty="0" err="1"/>
+              <a:t>onde</a:t>
+            </a:r>
+            <a:r>
+              <a:rPr lang="en-US" sz="1600" dirty="0"/>
+              <a:t> o </a:t>
+            </a:r>
+            <a:r>
+              <a:rPr lang="en-US" sz="1600" dirty="0" err="1"/>
+              <a:t>modelo</a:t>
+            </a:r>
+            <a:r>
+              <a:rPr lang="en-US" sz="1600" dirty="0"/>
+              <a:t> de </a:t>
+            </a:r>
+            <a:r>
+              <a:rPr lang="en-US" sz="1600" dirty="0" err="1"/>
+              <a:t>Árvore</a:t>
+            </a:r>
+            <a:r>
+              <a:rPr lang="en-US" sz="1600" dirty="0"/>
+              <a:t> de </a:t>
+            </a:r>
+            <a:r>
+              <a:rPr lang="en-US" sz="1600" dirty="0" err="1"/>
+              <a:t>Decisão</a:t>
+            </a:r>
+            <a:r>
+              <a:rPr lang="en-US" sz="1600" dirty="0"/>
+              <a:t> </a:t>
+            </a:r>
+            <a:r>
+              <a:rPr lang="en-US" sz="1600" dirty="0" err="1"/>
+              <a:t>realmente</a:t>
+            </a:r>
+            <a:r>
+              <a:rPr lang="en-US" sz="1600" dirty="0"/>
+              <a:t> é </a:t>
+            </a:r>
+            <a:r>
+              <a:rPr lang="en-US" sz="1600" dirty="0" err="1"/>
+              <a:t>treinado</a:t>
+            </a:r>
+            <a:r>
+              <a:rPr lang="en-US" sz="1600" dirty="0"/>
+              <a:t>.</a:t>
+            </a:r>
+          </a:p>
+          <a:p>
+            <a:pPr marL="0" indent="0">
+              <a:lnSpc>
+                <a:spcPct val="90000"/>
+              </a:lnSpc>
+            </a:pPr>
+            <a:r>
+              <a:rPr lang="en-US" sz="1600" dirty="0"/>
+              <a:t> </a:t>
+            </a:r>
+            <a:r>
+              <a:rPr lang="en-US" sz="1600" dirty="0" err="1"/>
+              <a:t>Os</a:t>
+            </a:r>
+            <a:r>
+              <a:rPr lang="en-US" sz="1600" dirty="0"/>
+              <a:t> dados </a:t>
+            </a:r>
+            <a:r>
+              <a:rPr lang="en-US" sz="1600" dirty="0" err="1"/>
+              <a:t>coletados</a:t>
+            </a:r>
+            <a:r>
+              <a:rPr lang="en-US" sz="1600" dirty="0"/>
+              <a:t> </a:t>
+            </a:r>
+            <a:r>
+              <a:rPr lang="en-US" sz="1600" dirty="0" err="1"/>
+              <a:t>são</a:t>
+            </a:r>
+            <a:r>
+              <a:rPr lang="en-US" sz="1600" dirty="0"/>
+              <a:t> </a:t>
+            </a:r>
+            <a:r>
+              <a:rPr lang="en-US" sz="1600" dirty="0" err="1"/>
+              <a:t>separados</a:t>
+            </a:r>
+            <a:r>
+              <a:rPr lang="en-US" sz="1600" dirty="0"/>
+              <a:t> </a:t>
+            </a:r>
+            <a:r>
+              <a:rPr lang="en-US" sz="1600" dirty="0" err="1"/>
+              <a:t>em</a:t>
+            </a:r>
+            <a:r>
+              <a:rPr lang="en-US" sz="1600" dirty="0"/>
+              <a:t> X (</a:t>
+            </a:r>
+            <a:r>
+              <a:rPr lang="en-US" sz="1600" dirty="0" err="1"/>
+              <a:t>características</a:t>
+            </a:r>
+            <a:r>
+              <a:rPr lang="en-US" sz="1600" dirty="0"/>
+              <a:t> do </a:t>
+            </a:r>
+            <a:r>
+              <a:rPr lang="en-US" sz="1600" dirty="0" err="1"/>
+              <a:t>tabuleiro</a:t>
+            </a:r>
+            <a:r>
+              <a:rPr lang="en-US" sz="1600" dirty="0"/>
+              <a:t>) e Y (</a:t>
+            </a:r>
+            <a:r>
+              <a:rPr lang="en-US" sz="1600" dirty="0" err="1"/>
+              <a:t>ação</a:t>
+            </a:r>
+            <a:r>
+              <a:rPr lang="en-US" sz="1600" dirty="0"/>
+              <a:t> </a:t>
+            </a:r>
+            <a:r>
+              <a:rPr lang="en-US" sz="1600" dirty="0" err="1"/>
+              <a:t>correspondente</a:t>
+            </a:r>
+            <a:r>
+              <a:rPr lang="en-US" sz="1600" dirty="0"/>
+              <a:t>, o </a:t>
+            </a:r>
+            <a:r>
+              <a:rPr lang="en-US" sz="1600" dirty="0" err="1"/>
+              <a:t>movimento</a:t>
+            </a:r>
+            <a:r>
+              <a:rPr lang="en-US" sz="1600" dirty="0"/>
+              <a:t>).</a:t>
+            </a:r>
+          </a:p>
+          <a:p>
+            <a:pPr marL="0" indent="0">
+              <a:lnSpc>
+                <a:spcPct val="90000"/>
+              </a:lnSpc>
+            </a:pPr>
+            <a:r>
+              <a:rPr lang="en-US" sz="1600" dirty="0"/>
+              <a:t> A </a:t>
+            </a:r>
+            <a:r>
+              <a:rPr lang="en-US" sz="1600" dirty="0" err="1"/>
+              <a:t>divisão</a:t>
+            </a:r>
+            <a:r>
+              <a:rPr lang="en-US" sz="1600" dirty="0"/>
+              <a:t> de </a:t>
+            </a:r>
+            <a:r>
+              <a:rPr lang="en-US" sz="1600" dirty="0" err="1"/>
+              <a:t>treino</a:t>
+            </a:r>
+            <a:r>
+              <a:rPr lang="en-US" sz="1600" dirty="0"/>
+              <a:t> e teste é </a:t>
+            </a:r>
+            <a:r>
+              <a:rPr lang="en-US" sz="1600" dirty="0" err="1"/>
+              <a:t>feita</a:t>
+            </a:r>
+            <a:r>
+              <a:rPr lang="en-US" sz="1600" dirty="0"/>
+              <a:t> com </a:t>
+            </a:r>
+            <a:r>
+              <a:rPr lang="en-US" sz="1600" b="1" dirty="0" err="1"/>
+              <a:t>train_test_split</a:t>
+            </a:r>
+            <a:r>
+              <a:rPr lang="en-US" sz="1600" dirty="0"/>
+              <a:t>, </a:t>
+            </a:r>
+            <a:r>
+              <a:rPr lang="en-US" sz="1600" dirty="0" err="1"/>
+              <a:t>reservando</a:t>
+            </a:r>
+            <a:r>
+              <a:rPr lang="en-US" sz="1600" dirty="0"/>
+              <a:t> 20% dos dados para o teste.</a:t>
+            </a:r>
+          </a:p>
+          <a:p>
+            <a:pPr marL="0" indent="0">
+              <a:lnSpc>
+                <a:spcPct val="90000"/>
+              </a:lnSpc>
+            </a:pPr>
+            <a:r>
+              <a:rPr lang="en-US" sz="1600" dirty="0"/>
               <a:t>O </a:t>
             </a:r>
             <a:r>
-              <a:rPr dirty="0" err="1"/>
-              <a:t>modelo</a:t>
-            </a:r>
-            <a:r>
-              <a:rPr dirty="0"/>
-              <a:t> de IA </a:t>
-            </a:r>
-            <a:r>
-              <a:rPr dirty="0" err="1"/>
-              <a:t>foi</a:t>
-            </a:r>
-            <a:r>
-              <a:rPr dirty="0"/>
+              <a:rPr lang="en-US" sz="1600" dirty="0" err="1"/>
+              <a:t>treinamento</a:t>
+            </a:r>
+            <a:r>
+              <a:rPr lang="en-US" sz="1600" dirty="0"/>
+              <a:t> da </a:t>
+            </a:r>
+            <a:r>
+              <a:rPr lang="en-US" sz="1600" dirty="0" err="1"/>
+              <a:t>Árvore</a:t>
+            </a:r>
+            <a:r>
+              <a:rPr lang="en-US" sz="1600" dirty="0"/>
+              <a:t> de </a:t>
+            </a:r>
+            <a:r>
+              <a:rPr lang="en-US" sz="1600" dirty="0" err="1"/>
+              <a:t>Decisão</a:t>
+            </a:r>
+            <a:r>
+              <a:rPr lang="en-US" sz="1600" dirty="0"/>
+              <a:t> é </a:t>
+            </a:r>
+            <a:r>
+              <a:rPr lang="en-US" sz="1600" dirty="0" err="1"/>
+              <a:t>feito</a:t>
+            </a:r>
+            <a:r>
+              <a:rPr lang="en-US" sz="1600" dirty="0"/>
+              <a:t> com a </a:t>
+            </a:r>
+            <a:r>
+              <a:rPr lang="en-US" sz="1600" dirty="0" err="1"/>
+              <a:t>chamada</a:t>
+            </a:r>
+            <a:r>
+              <a:rPr lang="en-US" sz="1600" dirty="0"/>
+              <a:t> do </a:t>
+            </a:r>
+            <a:r>
+              <a:rPr lang="en-US" sz="1600" b="1" dirty="0" err="1"/>
+              <a:t>método</a:t>
+            </a:r>
+            <a:r>
+              <a:rPr lang="en-US" sz="1600" b="1" dirty="0"/>
+              <a:t> fit</a:t>
+            </a:r>
+            <a:r>
+              <a:rPr lang="en-US" sz="1600" dirty="0"/>
+              <a:t>.</a:t>
+            </a:r>
+          </a:p>
+          <a:p>
+            <a:pPr marL="0" indent="0">
+              <a:lnSpc>
+                <a:spcPct val="90000"/>
+              </a:lnSpc>
+            </a:pPr>
+            <a:r>
+              <a:rPr lang="pt-BR" sz="1600" dirty="0"/>
+              <a:t>Após o treinamento, o modelo faz previsões sobre os dados de teste e a acurácia é calculada usando </a:t>
+            </a:r>
+            <a:r>
+              <a:rPr lang="pt-BR" sz="1600" b="1" dirty="0" err="1"/>
+              <a:t>accuracy_score</a:t>
+            </a:r>
+            <a:r>
+              <a:rPr lang="pt-BR" sz="1600" dirty="0"/>
+              <a:t>.</a:t>
+            </a:r>
+          </a:p>
+          <a:p>
+            <a:pPr marL="0" indent="0">
+              <a:lnSpc>
+                <a:spcPct val="90000"/>
+              </a:lnSpc>
+            </a:pPr>
+            <a:r>
+              <a:rPr lang="pt-BR" sz="1600" dirty="0"/>
+              <a:t> Após o treinamento, o modelo é salvo no diretório models usando a biblioteca </a:t>
+            </a:r>
+            <a:r>
+              <a:rPr lang="pt-BR" sz="1600" b="1" dirty="0" err="1"/>
+              <a:t>joblib</a:t>
+            </a:r>
+            <a:endParaRPr lang="pt-BR" sz="1600" b="1" dirty="0"/>
+          </a:p>
+          <a:p>
+            <a:pPr marL="0" indent="0">
+              <a:lnSpc>
+                <a:spcPct val="90000"/>
+              </a:lnSpc>
+            </a:pPr>
+            <a:r>
+              <a:rPr lang="pt-BR" sz="1600" dirty="0"/>
+              <a:t> A função </a:t>
+            </a:r>
+            <a:r>
+              <a:rPr lang="pt-BR" sz="1600" b="1" dirty="0" err="1"/>
+              <a:t>load_model</a:t>
+            </a:r>
+            <a:r>
+              <a:rPr lang="pt-BR" sz="1600" b="1" dirty="0"/>
               <a:t> </a:t>
             </a:r>
             <a:r>
-              <a:rPr dirty="0" err="1"/>
-              <a:t>treinado</a:t>
-            </a:r>
-            <a:r>
-              <a:rPr dirty="0"/>
-              <a:t> </a:t>
-            </a:r>
-            <a:r>
-              <a:rPr dirty="0" err="1"/>
-              <a:t>usando</a:t>
-            </a:r>
-            <a:r>
-              <a:rPr dirty="0"/>
-              <a:t> </a:t>
-            </a:r>
-            <a:r>
-              <a:rPr dirty="0" err="1"/>
-              <a:t>os</a:t>
-            </a:r>
-            <a:r>
-              <a:rPr dirty="0"/>
-              <a:t> </a:t>
-            </a:r>
-            <a:r>
-              <a:rPr dirty="0" err="1"/>
-              <a:t>seguintes</a:t>
-            </a:r>
-            <a:r>
-              <a:rPr dirty="0"/>
-              <a:t> </a:t>
-            </a:r>
-            <a:r>
-              <a:rPr dirty="0" err="1"/>
-              <a:t>algoritmos</a:t>
-            </a:r>
-            <a:r>
-              <a:rPr dirty="0"/>
-              <a:t>:</a:t>
+              <a:rPr lang="pt-BR" sz="1600" dirty="0"/>
+              <a:t>carrega o modelo salvo anteriormente para ser usado em previsões futuras.</a:t>
             </a:r>
           </a:p>
           <a:p>
             <a:pPr marL="0" indent="0">
-              <a:buNone/>
+              <a:lnSpc>
+                <a:spcPct val="90000"/>
+              </a:lnSpc>
             </a:pPr>
             <a:r>
-              <a:rPr dirty="0"/>
-              <a:t>- </a:t>
-            </a:r>
-            <a:r>
-              <a:rPr dirty="0" err="1"/>
-              <a:t>Árvore</a:t>
-            </a:r>
-            <a:r>
-              <a:rPr dirty="0"/>
-              <a:t> de </a:t>
-            </a:r>
-            <a:r>
-              <a:rPr dirty="0" err="1"/>
-              <a:t>Decisão</a:t>
-            </a:r>
-            <a:endParaRPr dirty="0"/>
-          </a:p>
-          <a:p>
-            <a:pPr marL="0" indent="0">
-              <a:buNone/>
-            </a:pPr>
-            <a:r>
-              <a:rPr dirty="0"/>
-              <a:t>- </a:t>
-            </a:r>
-            <a:r>
-              <a:rPr dirty="0" err="1"/>
-              <a:t>Regressão</a:t>
-            </a:r>
-            <a:endParaRPr dirty="0"/>
-          </a:p>
-          <a:p>
-            <a:r>
-              <a:rPr dirty="0" err="1"/>
-              <a:t>Os</a:t>
-            </a:r>
-            <a:r>
-              <a:rPr dirty="0"/>
-              <a:t> dados do </a:t>
-            </a:r>
-            <a:r>
-              <a:rPr dirty="0" err="1"/>
-              <a:t>jogo</a:t>
-            </a:r>
-            <a:r>
-              <a:rPr dirty="0"/>
-              <a:t> </a:t>
-            </a:r>
-            <a:r>
-              <a:rPr dirty="0" err="1"/>
-              <a:t>foram</a:t>
-            </a:r>
-            <a:r>
-              <a:rPr dirty="0"/>
-              <a:t> </a:t>
-            </a:r>
-            <a:r>
-              <a:rPr dirty="0" err="1"/>
-              <a:t>utilizados</a:t>
-            </a:r>
-            <a:r>
-              <a:rPr dirty="0"/>
-              <a:t> para </a:t>
-            </a:r>
-            <a:r>
-              <a:rPr dirty="0" err="1"/>
-              <a:t>treinar</a:t>
-            </a:r>
-            <a:r>
-              <a:rPr dirty="0"/>
-              <a:t> o </a:t>
-            </a:r>
-            <a:r>
-              <a:rPr dirty="0" err="1"/>
-              <a:t>modelo</a:t>
-            </a:r>
-            <a:r>
-              <a:rPr dirty="0"/>
-              <a:t> a </a:t>
-            </a:r>
-            <a:r>
-              <a:rPr dirty="0" err="1"/>
-              <a:t>prever</a:t>
-            </a:r>
-            <a:r>
-              <a:rPr dirty="0"/>
-              <a:t> </a:t>
-            </a:r>
-            <a:r>
-              <a:rPr dirty="0" err="1"/>
-              <a:t>os</a:t>
-            </a:r>
-            <a:r>
-              <a:rPr dirty="0"/>
-              <a:t> </a:t>
-            </a:r>
-            <a:r>
-              <a:rPr dirty="0" err="1"/>
-              <a:t>movimentos</a:t>
-            </a:r>
-            <a:r>
-              <a:rPr dirty="0"/>
-              <a:t> com base no </a:t>
-            </a:r>
-            <a:r>
-              <a:rPr dirty="0" err="1"/>
-              <a:t>histórico</a:t>
-            </a:r>
-            <a:r>
-              <a:rPr dirty="0"/>
-              <a:t> das </a:t>
-            </a:r>
-            <a:r>
-              <a:rPr dirty="0" err="1"/>
-              <a:t>partidas</a:t>
-            </a:r>
-            <a:r>
-              <a:rPr dirty="0"/>
-              <a:t>.</a:t>
-            </a:r>
-          </a:p>
-        </p:txBody>
-      </p:sp>
+              <a:rPr lang="pt-BR" sz="1600" dirty="0"/>
+              <a:t> A função </a:t>
+            </a:r>
+            <a:r>
+              <a:rPr lang="pt-BR" sz="1600" b="1" dirty="0" err="1"/>
+              <a:t>predict_move</a:t>
+            </a:r>
+            <a:r>
+              <a:rPr lang="pt-BR" sz="1600" dirty="0"/>
+              <a:t> faz uma previsão para o próximo movimento com base no estado atual do tabuleiro, utilizando o modelo treinado.</a:t>
+            </a:r>
+            <a:endParaRPr lang="en-US" sz="1600" dirty="0"/>
+          </a:p>
+        </p:txBody>
+      </p:sp>
+      <p:pic>
+        <p:nvPicPr>
+          <p:cNvPr id="5" name="Imagem 4">
+            <a:extLst>
+              <a:ext uri="{FF2B5EF4-FFF2-40B4-BE49-F238E27FC236}">
+                <a16:creationId xmlns:a16="http://schemas.microsoft.com/office/drawing/2014/main" id="{95872568-7CD4-7DD9-2D82-2317D8D8C8BC}"/>
+              </a:ext>
+            </a:extLst>
+          </p:cNvPr>
+          <p:cNvPicPr>
+            <a:picLocks noChangeAspect="1"/>
+          </p:cNvPicPr>
+          <p:nvPr/>
+        </p:nvPicPr>
+        <p:blipFill>
+          <a:blip r:embed="rId3"/>
+          <a:stretch>
+            <a:fillRect/>
+          </a:stretch>
+        </p:blipFill>
+        <p:spPr>
+          <a:xfrm>
+            <a:off x="283465" y="429768"/>
+            <a:ext cx="4366738" cy="4526280"/>
+          </a:xfrm>
+          <a:prstGeom prst="roundRect">
+            <a:avLst>
+              <a:gd name="adj" fmla="val 4380"/>
+            </a:avLst>
+          </a:prstGeom>
+          <a:ln w="50800" cap="sq" cmpd="dbl">
+            <a:gradFill flip="none" rotWithShape="1">
+              <a:gsLst>
+                <a:gs pos="0">
+                  <a:srgbClr val="FFFFFF"/>
+                </a:gs>
+                <a:gs pos="100000">
+                  <a:schemeClr val="tx1">
+                    <a:alpha val="0"/>
+                  </a:schemeClr>
+                </a:gs>
+              </a:gsLst>
+              <a:path path="circle">
+                <a:fillToRect l="50000" t="50000" r="50000" b="50000"/>
+              </a:path>
+              <a:tileRect/>
+            </a:gradFill>
+            <a:miter lim="800000"/>
+          </a:ln>
+          <a:effectLst>
+            <a:outerShdw blurRad="254000" algn="tl" rotWithShape="0">
+              <a:srgbClr val="000000">
+                <a:alpha val="43000"/>
+              </a:srgbClr>
+            </a:outerShdw>
+          </a:effectLst>
+        </p:spPr>
+      </p:pic>
     </p:spTree>
+    <p:extLst>
+      <p:ext uri="{BB962C8B-B14F-4D97-AF65-F5344CB8AC3E}">
+        <p14:creationId xmlns:p14="http://schemas.microsoft.com/office/powerpoint/2010/main" val="1977092106"/>
+      </p:ext>
+    </p:extLst>
   </p:cSld>
   <p:clrMapOvr>
     <a:masterClrMapping/>
@@ -7252,9 +10638,18 @@
 </p:sld>
 </file>
 
-<file path=ppt/slides/slide5.xml><?xml version="1.0" encoding="utf-8"?>
+<file path=ppt/slides/slide8.xml><?xml version="1.0" encoding="utf-8"?>
 <p:sld xmlns:a="http://schemas.openxmlformats.org/drawingml/2006/main" xmlns:r="http://schemas.openxmlformats.org/officeDocument/2006/relationships" xmlns:p="http://schemas.openxmlformats.org/presentationml/2006/main">
   <p:cSld>
+    <p:bg>
+      <p:bgPr>
+        <a:blipFill>
+          <a:blip r:embed="rId2"/>
+          <a:stretch/>
+        </a:blipFill>
+        <a:effectLst/>
+      </p:bgPr>
+    </p:bg>
     <p:spTree>
       <p:nvGrpSpPr>
         <p:cNvPr id="1" name=""/>
@@ -7279,13 +10674,22 @@
             <p:ph type="title"/>
           </p:nvPr>
         </p:nvSpPr>
-        <p:spPr/>
-        <p:txBody>
-          <a:bodyPr/>
+        <p:spPr>
+          <a:xfrm>
+            <a:off x="3164223" y="313437"/>
+            <a:ext cx="2984404" cy="839616"/>
+          </a:xfrm>
+        </p:spPr>
+        <p:txBody>
+          <a:bodyPr>
+            <a:normAutofit/>
+          </a:bodyPr>
           <a:lstStyle/>
           <a:p>
-            <a:r>
-              <a:t>Coleta de Dados</a:t>
+            <a:pPr algn="ctr"/>
+            <a:r>
+              <a:rPr lang="pt-BR" b="1" dirty="0"/>
+              <a:t>INICIALIZAÇÃO</a:t>
             </a:r>
           </a:p>
         </p:txBody>
@@ -7300,17 +10704,172 @@
             <p:ph idx="1"/>
           </p:nvPr>
         </p:nvSpPr>
-        <p:spPr/>
-        <p:txBody>
-          <a:bodyPr/>
+        <p:spPr>
+          <a:xfrm>
+            <a:off x="307498" y="1213310"/>
+            <a:ext cx="3659816" cy="2215690"/>
+          </a:xfrm>
+        </p:spPr>
+        <p:txBody>
+          <a:bodyPr>
+            <a:normAutofit/>
+          </a:bodyPr>
           <a:lstStyle/>
           <a:p>
             <a:r>
-              <a:t>O estado do jogo e as ações dos jogadores foram registrados durante 100 partidas de IA vs IA. Esses dados foram usados para treinar o modelo de IA e ajustar seus hiperparâmetros para obter o melhor desempenho.</a:t>
-            </a:r>
-          </a:p>
-        </p:txBody>
-      </p:sp>
+              <a:rPr lang="pt-BR" dirty="0"/>
+              <a:t>A criação da interface gráfica do jogo e inicialização do tabuleiro com botões acontece na função </a:t>
+            </a:r>
+            <a:r>
+              <a:rPr lang="pt-BR" b="1" dirty="0"/>
+              <a:t>__</a:t>
+            </a:r>
+            <a:r>
+              <a:rPr lang="pt-BR" b="1" dirty="0" err="1"/>
+              <a:t>init</a:t>
+            </a:r>
+            <a:r>
+              <a:rPr lang="pt-BR" b="1" dirty="0"/>
+              <a:t>__ </a:t>
+            </a:r>
+            <a:r>
+              <a:rPr lang="pt-BR" dirty="0"/>
+              <a:t>da classe </a:t>
+            </a:r>
+            <a:r>
+              <a:rPr lang="pt-BR" b="1" dirty="0" err="1"/>
+              <a:t>TicTacToeGUI</a:t>
+            </a:r>
+            <a:r>
+              <a:rPr lang="pt-BR" dirty="0"/>
+              <a:t>. O modo de jogo (Humano </a:t>
+            </a:r>
+            <a:r>
+              <a:rPr lang="pt-BR" dirty="0" err="1"/>
+              <a:t>vs</a:t>
+            </a:r>
+            <a:r>
+              <a:rPr lang="pt-BR" dirty="0"/>
+              <a:t> IA, IA </a:t>
+            </a:r>
+            <a:r>
+              <a:rPr lang="pt-BR" dirty="0" err="1"/>
+              <a:t>vs</a:t>
+            </a:r>
+            <a:r>
+              <a:rPr lang="pt-BR" dirty="0"/>
+              <a:t> IA, ou Humano </a:t>
+            </a:r>
+            <a:r>
+              <a:rPr lang="pt-BR" dirty="0" err="1"/>
+              <a:t>vs</a:t>
+            </a:r>
+            <a:r>
+              <a:rPr lang="pt-BR" dirty="0"/>
+              <a:t> Humano) também é configurado aqui:</a:t>
+            </a:r>
+            <a:endParaRPr dirty="0"/>
+          </a:p>
+        </p:txBody>
+      </p:sp>
+      <p:pic>
+        <p:nvPicPr>
+          <p:cNvPr id="5" name="Imagem 4">
+            <a:extLst>
+              <a:ext uri="{FF2B5EF4-FFF2-40B4-BE49-F238E27FC236}">
+                <a16:creationId xmlns:a16="http://schemas.microsoft.com/office/drawing/2014/main" id="{E1B04610-5144-F2EC-A9B1-6E90F622BB8F}"/>
+              </a:ext>
+            </a:extLst>
+          </p:cNvPr>
+          <p:cNvPicPr>
+            <a:picLocks noChangeAspect="1"/>
+          </p:cNvPicPr>
+          <p:nvPr/>
+        </p:nvPicPr>
+        <p:blipFill>
+          <a:blip r:embed="rId3"/>
+          <a:stretch>
+            <a:fillRect/>
+          </a:stretch>
+        </p:blipFill>
+        <p:spPr>
+          <a:xfrm>
+            <a:off x="3967314" y="1410629"/>
+            <a:ext cx="4571694" cy="3874510"/>
+          </a:xfrm>
+          <a:prstGeom prst="roundRect">
+            <a:avLst>
+              <a:gd name="adj" fmla="val 4380"/>
+            </a:avLst>
+          </a:prstGeom>
+          <a:ln w="50800" cap="sq" cmpd="dbl">
+            <a:gradFill flip="none" rotWithShape="1">
+              <a:gsLst>
+                <a:gs pos="0">
+                  <a:srgbClr val="FFFFFF"/>
+                </a:gs>
+                <a:gs pos="100000">
+                  <a:schemeClr val="tx1">
+                    <a:alpha val="0"/>
+                  </a:schemeClr>
+                </a:gs>
+              </a:gsLst>
+              <a:path path="circle">
+                <a:fillToRect l="50000" t="50000" r="50000" b="50000"/>
+              </a:path>
+              <a:tileRect/>
+            </a:gradFill>
+            <a:miter lim="800000"/>
+          </a:ln>
+          <a:effectLst>
+            <a:outerShdw blurRad="254000" algn="tl" rotWithShape="0">
+              <a:srgbClr val="000000">
+                <a:alpha val="43000"/>
+              </a:srgbClr>
+            </a:outerShdw>
+          </a:effectLst>
+        </p:spPr>
+      </p:pic>
+      <p:pic>
+        <p:nvPicPr>
+          <p:cNvPr id="7" name="Imagem 6">
+            <a:extLst>
+              <a:ext uri="{FF2B5EF4-FFF2-40B4-BE49-F238E27FC236}">
+                <a16:creationId xmlns:a16="http://schemas.microsoft.com/office/drawing/2014/main" id="{14EA114C-C41D-9A99-AC99-B92889D46F31}"/>
+              </a:ext>
+            </a:extLst>
+          </p:cNvPr>
+          <p:cNvPicPr>
+            <a:picLocks noChangeAspect="1"/>
+          </p:cNvPicPr>
+          <p:nvPr/>
+        </p:nvPicPr>
+        <p:blipFill>
+          <a:blip r:embed="rId4"/>
+          <a:stretch>
+            <a:fillRect/>
+          </a:stretch>
+        </p:blipFill>
+        <p:spPr>
+          <a:xfrm>
+            <a:off x="928891" y="3636034"/>
+            <a:ext cx="2417030" cy="2454215"/>
+          </a:xfrm>
+          <a:prstGeom prst="rect">
+            <a:avLst/>
+          </a:prstGeom>
+          <a:ln>
+            <a:noFill/>
+          </a:ln>
+          <a:effectLst>
+            <a:outerShdw blurRad="190500" algn="tl" rotWithShape="0">
+              <a:srgbClr val="000000">
+                <a:alpha val="70000"/>
+              </a:srgbClr>
+            </a:outerShdw>
+          </a:effectLst>
+        </p:spPr>
+      </p:pic>
     </p:spTree>
   </p:cSld>
   <p:clrMapOvr>
@@ -7319,9 +10878,18 @@
 </p:sld>
 </file>
 
-<file path=ppt/slides/slide6.xml><?xml version="1.0" encoding="utf-8"?>
+<file path=ppt/slides/slide9.xml><?xml version="1.0" encoding="utf-8"?>
 <p:sld xmlns:a="http://schemas.openxmlformats.org/drawingml/2006/main" xmlns:r="http://schemas.openxmlformats.org/officeDocument/2006/relationships" xmlns:p="http://schemas.openxmlformats.org/presentationml/2006/main">
   <p:cSld>
+    <p:bg>
+      <p:bgPr>
+        <a:blipFill>
+          <a:blip r:embed="rId2"/>
+          <a:stretch/>
+        </a:blipFill>
+        <a:effectLst/>
+      </p:bgPr>
+    </p:bg>
     <p:spTree>
       <p:nvGrpSpPr>
         <p:cNvPr id="1" name=""/>
@@ -7346,17 +10914,84 @@
             <p:ph type="title"/>
           </p:nvPr>
         </p:nvSpPr>
-        <p:spPr/>
-        <p:txBody>
-          <a:bodyPr/>
+        <p:spPr>
+          <a:xfrm>
+            <a:off x="3509837" y="285503"/>
+            <a:ext cx="1622880" cy="646150"/>
+          </a:xfrm>
+        </p:spPr>
+        <p:txBody>
+          <a:bodyPr>
+            <a:normAutofit/>
+          </a:bodyPr>
           <a:lstStyle/>
           <a:p>
-            <a:r>
-              <a:t>Resultados</a:t>
-            </a:r>
-          </a:p>
-        </p:txBody>
-      </p:sp>
+            <a:pPr algn="ctr"/>
+            <a:r>
+              <a:rPr lang="pt-BR" b="1" dirty="0"/>
+              <a:t>JOGADAS</a:t>
+            </a:r>
+          </a:p>
+        </p:txBody>
+      </p:sp>
+      <p:pic>
+        <p:nvPicPr>
+          <p:cNvPr id="5" name="Imagem 4" descr="Texto&#10;&#10;Descrição gerada automaticamente">
+            <a:extLst>
+              <a:ext uri="{FF2B5EF4-FFF2-40B4-BE49-F238E27FC236}">
+                <a16:creationId xmlns:a16="http://schemas.microsoft.com/office/drawing/2014/main" id="{1040AC81-7B25-22E1-5116-8FF2D340FD5E}"/>
+              </a:ext>
+            </a:extLst>
+          </p:cNvPr>
+          <p:cNvPicPr>
+            <a:picLocks noChangeAspect="1"/>
+          </p:cNvPicPr>
+          <p:nvPr/>
+        </p:nvPicPr>
+        <p:blipFill>
+          <a:blip r:embed="rId3"/>
+          <a:stretch>
+            <a:fillRect/>
+          </a:stretch>
+        </p:blipFill>
+        <p:spPr>
+          <a:xfrm>
+            <a:off x="482598" y="1163808"/>
+            <a:ext cx="5173408" cy="4539665"/>
+          </a:xfrm>
+          <a:prstGeom prst="roundRect">
+            <a:avLst>
+              <a:gd name="adj" fmla="val 4380"/>
+            </a:avLst>
+          </a:prstGeom>
+          <a:ln w="50800" cap="sq" cmpd="dbl">
+            <a:gradFill flip="none" rotWithShape="1">
+              <a:gsLst>
+                <a:gs pos="0">
+                  <a:srgbClr val="FFFFFF"/>
+                </a:gs>
+                <a:gs pos="100000">
+                  <a:schemeClr val="tx1">
+                    <a:alpha val="0"/>
+                  </a:schemeClr>
+                </a:gs>
+              </a:gsLst>
+              <a:path path="circle">
+                <a:fillToRect l="50000" t="50000" r="50000" b="50000"/>
+              </a:path>
+              <a:tileRect/>
+            </a:gradFill>
+            <a:miter lim="800000"/>
+          </a:ln>
+          <a:effectLst>
+            <a:outerShdw blurRad="254000" algn="tl" rotWithShape="0">
+              <a:srgbClr val="000000">
+                <a:alpha val="43000"/>
+              </a:srgbClr>
+            </a:outerShdw>
+          </a:effectLst>
+        </p:spPr>
+      </p:pic>
       <p:sp>
         <p:nvSpPr>
           <p:cNvPr id="3" name="Content Placeholder 2"/>
@@ -7367,85 +11002,68 @@
             <p:ph idx="1"/>
           </p:nvPr>
         </p:nvSpPr>
-        <p:spPr/>
-        <p:txBody>
-          <a:bodyPr/>
+        <p:spPr>
+          <a:xfrm>
+            <a:off x="5899354" y="2648402"/>
+            <a:ext cx="2780072" cy="2423930"/>
+          </a:xfrm>
+        </p:spPr>
+        <p:txBody>
+          <a:bodyPr>
+            <a:normAutofit lnSpcReduction="10000"/>
+          </a:bodyPr>
           <a:lstStyle/>
           <a:p>
-            <a:r>
-              <a:t>Os resultados das 100 partidas foram analisados para avaliar a acurácia do modelo. Gráficos de distribuição de vitórias, empates e derrotas foram gerados, mostrando a eficácia da IA nas decisões de jogo.</a:t>
+            <a:pPr>
+              <a:lnSpc>
+                <a:spcPct val="90000"/>
+              </a:lnSpc>
+            </a:pPr>
+            <a:r>
+              <a:rPr lang="pt-BR" dirty="0"/>
+              <a:t>Quando um jogador ou a IA faz uma jogada, o estado do jogo é registrado, e a jogada é realizada pela função </a:t>
+            </a:r>
+            <a:r>
+              <a:rPr lang="pt-BR" b="1" dirty="0" err="1"/>
+              <a:t>on_click</a:t>
+            </a:r>
+            <a:r>
+              <a:rPr lang="pt-BR" b="1" dirty="0"/>
+              <a:t> </a:t>
+            </a:r>
+            <a:r>
+              <a:rPr lang="pt-BR" dirty="0"/>
+              <a:t>(jogada humana) ou </a:t>
+            </a:r>
+            <a:r>
+              <a:rPr lang="pt-BR" b="1" dirty="0" err="1"/>
+              <a:t>ai_move</a:t>
+            </a:r>
+            <a:r>
+              <a:rPr lang="pt-BR" b="1" dirty="0"/>
+              <a:t> </a:t>
+            </a:r>
+            <a:r>
+              <a:rPr lang="pt-BR" dirty="0"/>
+              <a:t>(jogada da IA). O estado é salvo em </a:t>
+            </a:r>
+            <a:r>
+              <a:rPr lang="pt-BR" b="1" dirty="0" err="1"/>
+              <a:t>self.game_data</a:t>
+            </a:r>
+            <a:r>
+              <a:rPr lang="pt-BR" dirty="0"/>
+              <a:t>.</a:t>
             </a:r>
           </a:p>
         </p:txBody>
       </p:sp>
     </p:spTree>
-  </p:cSld>
-  <p:clrMapOvr>
-    <a:masterClrMapping/>
-  </p:clrMapOvr>
-</p:sld>
-</file>
-
-<file path=ppt/slides/slide7.xml><?xml version="1.0" encoding="utf-8"?>
-<p:sld xmlns:a="http://schemas.openxmlformats.org/drawingml/2006/main" xmlns:r="http://schemas.openxmlformats.org/officeDocument/2006/relationships" xmlns:p="http://schemas.openxmlformats.org/presentationml/2006/main">
-  <p:cSld>
-    <p:spTree>
-      <p:nvGrpSpPr>
-        <p:cNvPr id="1" name=""/>
-        <p:cNvGrpSpPr/>
-        <p:nvPr/>
-      </p:nvGrpSpPr>
-      <p:grpSpPr>
-        <a:xfrm>
-          <a:off x="0" y="0"/>
-          <a:ext cx="0" cy="0"/>
-          <a:chOff x="0" y="0"/>
-          <a:chExt cx="0" cy="0"/>
-        </a:xfrm>
-      </p:grpSpPr>
-      <p:sp>
-        <p:nvSpPr>
-          <p:cNvPr id="2" name="Title 1"/>
-          <p:cNvSpPr>
-            <a:spLocks noGrp="1"/>
-          </p:cNvSpPr>
-          <p:nvPr>
-            <p:ph type="title"/>
-          </p:nvPr>
-        </p:nvSpPr>
-        <p:spPr/>
-        <p:txBody>
-          <a:bodyPr/>
-          <a:lstStyle/>
-          <a:p>
-            <a:r>
-              <a:t>Conclusão</a:t>
-            </a:r>
-          </a:p>
-        </p:txBody>
-      </p:sp>
-      <p:sp>
-        <p:nvSpPr>
-          <p:cNvPr id="3" name="Content Placeholder 2"/>
-          <p:cNvSpPr>
-            <a:spLocks noGrp="1"/>
-          </p:cNvSpPr>
-          <p:nvPr>
-            <p:ph idx="1"/>
-          </p:nvPr>
-        </p:nvSpPr>
-        <p:spPr/>
-        <p:txBody>
-          <a:bodyPr/>
-          <a:lstStyle/>
-          <a:p>
-            <a:r>
-              <a:t>O uso de algoritmos de aprendizado de máquina, como árvores de decisão e regressão, mostrou-se eficaz para prever movimentos em um jogo simples como o jogo da velha. A IA foi capaz de melhorar suas estratégias ao longo das partidas, e os ajustes nos hiperparâmetros foram fundamentais para o desempenho do modelo.</a:t>
-            </a:r>
-          </a:p>
-        </p:txBody>
-      </p:sp>
-    </p:spTree>
+    <p:extLst>
+      <p:ext uri="{BB962C8B-B14F-4D97-AF65-F5344CB8AC3E}">
+        <p14:creationId xmlns:p14="http://schemas.microsoft.com/office/powerpoint/2010/main" val="324296611"/>
+      </p:ext>
+    </p:extLst>
   </p:cSld>
   <p:clrMapOvr>
     <a:masterClrMapping/>
